--- a/화면 기획서.pptx
+++ b/화면 기획서.pptx
@@ -7,6 +7,8 @@
   <p:sldIdLst>
     <p:sldId id="256" r:id="rId2"/>
     <p:sldId id="258" r:id="rId3"/>
+    <p:sldId id="261" r:id="rId4"/>
+    <p:sldId id="259" r:id="rId5"/>
   </p:sldIdLst>
   <p:sldSz cx="12192000" cy="6858000"/>
   <p:notesSz cx="6858000" cy="9144000"/>
@@ -105,6 +107,23 @@
       </a:defRPr>
     </a:lvl9pPr>
   </p:defaultTextStyle>
+  <p:extLst>
+    <p:ext uri="{521415D9-36F7-43E2-AB2F-B90AF26B5E84}">
+      <p14:sectionLst xmlns:p14="http://schemas.microsoft.com/office/powerpoint/2010/main">
+        <p14:section name="기본 구역" id="{89671413-6A57-4798-8804-BD07BF47056B}">
+          <p14:sldIdLst>
+            <p14:sldId id="256"/>
+            <p14:sldId id="258"/>
+            <p14:sldId id="261"/>
+            <p14:sldId id="259"/>
+          </p14:sldIdLst>
+        </p14:section>
+      </p14:sectionLst>
+    </p:ext>
+    <p:ext uri="{EFAFB233-063F-42B5-8137-9DF3F51BA10A}">
+      <p15:sldGuideLst xmlns:p15="http://schemas.microsoft.com/office/powerpoint/2012/main"/>
+    </p:ext>
+  </p:extLst>
 </p:presentation>
 </file>
 
@@ -255,7 +274,7 @@
           <a:p>
             <a:fld id="{47DE47EB-9755-4E5B-8EA0-BA4B83457820}" type="datetimeFigureOut">
               <a:rPr lang="ko-KR" altLang="en-US" smtClean="0"/>
-              <a:t>2020-01-31</a:t>
+              <a:t>2020-02-02</a:t>
             </a:fld>
             <a:endParaRPr lang="ko-KR" altLang="en-US"/>
           </a:p>
@@ -453,7 +472,7 @@
           <a:p>
             <a:fld id="{47DE47EB-9755-4E5B-8EA0-BA4B83457820}" type="datetimeFigureOut">
               <a:rPr lang="ko-KR" altLang="en-US" smtClean="0"/>
-              <a:t>2020-01-31</a:t>
+              <a:t>2020-02-02</a:t>
             </a:fld>
             <a:endParaRPr lang="ko-KR" altLang="en-US"/>
           </a:p>
@@ -661,7 +680,7 @@
           <a:p>
             <a:fld id="{47DE47EB-9755-4E5B-8EA0-BA4B83457820}" type="datetimeFigureOut">
               <a:rPr lang="ko-KR" altLang="en-US" smtClean="0"/>
-              <a:t>2020-01-31</a:t>
+              <a:t>2020-02-02</a:t>
             </a:fld>
             <a:endParaRPr lang="ko-KR" altLang="en-US"/>
           </a:p>
@@ -859,7 +878,7 @@
           <a:p>
             <a:fld id="{47DE47EB-9755-4E5B-8EA0-BA4B83457820}" type="datetimeFigureOut">
               <a:rPr lang="ko-KR" altLang="en-US" smtClean="0"/>
-              <a:t>2020-01-31</a:t>
+              <a:t>2020-02-02</a:t>
             </a:fld>
             <a:endParaRPr lang="ko-KR" altLang="en-US"/>
           </a:p>
@@ -1134,7 +1153,7 @@
           <a:p>
             <a:fld id="{47DE47EB-9755-4E5B-8EA0-BA4B83457820}" type="datetimeFigureOut">
               <a:rPr lang="ko-KR" altLang="en-US" smtClean="0"/>
-              <a:t>2020-01-31</a:t>
+              <a:t>2020-02-02</a:t>
             </a:fld>
             <a:endParaRPr lang="ko-KR" altLang="en-US"/>
           </a:p>
@@ -1399,7 +1418,7 @@
           <a:p>
             <a:fld id="{47DE47EB-9755-4E5B-8EA0-BA4B83457820}" type="datetimeFigureOut">
               <a:rPr lang="ko-KR" altLang="en-US" smtClean="0"/>
-              <a:t>2020-01-31</a:t>
+              <a:t>2020-02-02</a:t>
             </a:fld>
             <a:endParaRPr lang="ko-KR" altLang="en-US"/>
           </a:p>
@@ -1811,7 +1830,7 @@
           <a:p>
             <a:fld id="{47DE47EB-9755-4E5B-8EA0-BA4B83457820}" type="datetimeFigureOut">
               <a:rPr lang="ko-KR" altLang="en-US" smtClean="0"/>
-              <a:t>2020-01-31</a:t>
+              <a:t>2020-02-02</a:t>
             </a:fld>
             <a:endParaRPr lang="ko-KR" altLang="en-US"/>
           </a:p>
@@ -1952,7 +1971,7 @@
           <a:p>
             <a:fld id="{47DE47EB-9755-4E5B-8EA0-BA4B83457820}" type="datetimeFigureOut">
               <a:rPr lang="ko-KR" altLang="en-US" smtClean="0"/>
-              <a:t>2020-01-31</a:t>
+              <a:t>2020-02-02</a:t>
             </a:fld>
             <a:endParaRPr lang="ko-KR" altLang="en-US"/>
           </a:p>
@@ -2065,7 +2084,7 @@
           <a:p>
             <a:fld id="{47DE47EB-9755-4E5B-8EA0-BA4B83457820}" type="datetimeFigureOut">
               <a:rPr lang="ko-KR" altLang="en-US" smtClean="0"/>
-              <a:t>2020-01-31</a:t>
+              <a:t>2020-02-02</a:t>
             </a:fld>
             <a:endParaRPr lang="ko-KR" altLang="en-US"/>
           </a:p>
@@ -2376,7 +2395,7 @@
           <a:p>
             <a:fld id="{47DE47EB-9755-4E5B-8EA0-BA4B83457820}" type="datetimeFigureOut">
               <a:rPr lang="ko-KR" altLang="en-US" smtClean="0"/>
-              <a:t>2020-01-31</a:t>
+              <a:t>2020-02-02</a:t>
             </a:fld>
             <a:endParaRPr lang="ko-KR" altLang="en-US"/>
           </a:p>
@@ -2664,7 +2683,7 @@
           <a:p>
             <a:fld id="{47DE47EB-9755-4E5B-8EA0-BA4B83457820}" type="datetimeFigureOut">
               <a:rPr lang="ko-KR" altLang="en-US" smtClean="0"/>
-              <a:t>2020-01-31</a:t>
+              <a:t>2020-02-02</a:t>
             </a:fld>
             <a:endParaRPr lang="ko-KR" altLang="en-US"/>
           </a:p>
@@ -2905,7 +2924,7 @@
           <a:p>
             <a:fld id="{47DE47EB-9755-4E5B-8EA0-BA4B83457820}" type="datetimeFigureOut">
               <a:rPr lang="ko-KR" altLang="en-US" smtClean="0"/>
-              <a:t>2020-01-31</a:t>
+              <a:t>2020-02-02</a:t>
             </a:fld>
             <a:endParaRPr lang="ko-KR" altLang="en-US"/>
           </a:p>
@@ -5398,7 +5417,7 @@
         </p:nvSpPr>
         <p:spPr>
           <a:xfrm>
-            <a:off x="163582" y="207077"/>
+            <a:off x="195039" y="207077"/>
             <a:ext cx="7024382" cy="6363741"/>
           </a:xfrm>
           <a:prstGeom prst="rect">
@@ -5570,10 +5589,10 @@
       </p:sp>
       <p:sp>
         <p:nvSpPr>
-          <p:cNvPr id="36" name="TextBox 35">
-            <a:extLst>
-              <a:ext uri="{FF2B5EF4-FFF2-40B4-BE49-F238E27FC236}">
-                <a16:creationId xmlns:a16="http://schemas.microsoft.com/office/drawing/2014/main" id="{813AAAC6-8960-46B3-A372-3FC992D8FE8B}"/>
+          <p:cNvPr id="42" name="TextBox 41">
+            <a:extLst>
+              <a:ext uri="{FF2B5EF4-FFF2-40B4-BE49-F238E27FC236}">
+                <a16:creationId xmlns:a16="http://schemas.microsoft.com/office/drawing/2014/main" id="{AC0F79C8-2FE0-4AB9-BDD2-AD2CE1C7EFDE}"/>
               </a:ext>
             </a:extLst>
           </p:cNvPr>
@@ -5582,7 +5601,46 @@
         </p:nvSpPr>
         <p:spPr>
           <a:xfrm>
-            <a:off x="377505" y="1503025"/>
+            <a:off x="276834" y="267800"/>
+            <a:ext cx="2432809" cy="369332"/>
+          </a:xfrm>
+          <a:prstGeom prst="rect">
+            <a:avLst/>
+          </a:prstGeom>
+          <a:noFill/>
+          <a:ln>
+            <a:noFill/>
+          </a:ln>
+        </p:spPr>
+        <p:txBody>
+          <a:bodyPr wrap="square" rtlCol="0">
+            <a:spAutoFit/>
+          </a:bodyPr>
+          <a:lstStyle/>
+          <a:p>
+            <a:r>
+              <a:rPr lang="ko-KR" altLang="en-US"/>
+              <a:t>아시아 여행 커뮤니티</a:t>
+            </a:r>
+            <a:endParaRPr lang="en-US" altLang="ko-KR"/>
+          </a:p>
+        </p:txBody>
+      </p:sp>
+      <p:sp>
+        <p:nvSpPr>
+          <p:cNvPr id="43" name="TextBox 42">
+            <a:extLst>
+              <a:ext uri="{FF2B5EF4-FFF2-40B4-BE49-F238E27FC236}">
+                <a16:creationId xmlns:a16="http://schemas.microsoft.com/office/drawing/2014/main" id="{D905F30E-C2D1-42D0-9756-82A5E2D843B0}"/>
+              </a:ext>
+            </a:extLst>
+          </p:cNvPr>
+          <p:cNvSpPr txBox="1"/>
+          <p:nvPr/>
+        </p:nvSpPr>
+        <p:spPr>
+          <a:xfrm>
+            <a:off x="3707230" y="782612"/>
             <a:ext cx="1249960" cy="369332"/>
           </a:xfrm>
           <a:prstGeom prst="rect">
@@ -5591,7 +5649,7 @@
           <a:noFill/>
           <a:ln>
             <a:solidFill>
-              <a:schemeClr val="bg1"/>
+              <a:schemeClr val="tx1"/>
             </a:solidFill>
           </a:ln>
         </p:spPr>
@@ -5601,9 +5659,10 @@
           </a:bodyPr>
           <a:lstStyle/>
           <a:p>
-            <a:r>
-              <a:rPr lang="ko-KR" altLang="en-US"/>
-              <a:t>숙박 정보</a:t>
+            <a:pPr algn="ctr"/>
+            <a:r>
+              <a:rPr lang="ko-KR" altLang="en-US"/>
+              <a:t>축제 정보</a:t>
             </a:r>
             <a:endParaRPr lang="en-US" altLang="ko-KR"/>
           </a:p>
@@ -5611,10 +5670,785 @@
       </p:sp>
       <p:sp>
         <p:nvSpPr>
-          <p:cNvPr id="37" name="타원 36">
-            <a:extLst>
-              <a:ext uri="{FF2B5EF4-FFF2-40B4-BE49-F238E27FC236}">
-                <a16:creationId xmlns:a16="http://schemas.microsoft.com/office/drawing/2014/main" id="{FAE06F7E-34F2-44BB-AB5F-8D4F2C0644BF}"/>
+          <p:cNvPr id="44" name="TextBox 43">
+            <a:extLst>
+              <a:ext uri="{FF2B5EF4-FFF2-40B4-BE49-F238E27FC236}">
+                <a16:creationId xmlns:a16="http://schemas.microsoft.com/office/drawing/2014/main" id="{3BD5466A-EC1C-4C08-B4FB-166AE6836632}"/>
+              </a:ext>
+            </a:extLst>
+          </p:cNvPr>
+          <p:cNvSpPr txBox="1"/>
+          <p:nvPr/>
+        </p:nvSpPr>
+        <p:spPr>
+          <a:xfrm>
+            <a:off x="5740850" y="287182"/>
+            <a:ext cx="1249960" cy="369332"/>
+          </a:xfrm>
+          <a:prstGeom prst="rect">
+            <a:avLst/>
+          </a:prstGeom>
+          <a:solidFill>
+            <a:schemeClr val="tx1"/>
+          </a:solidFill>
+          <a:ln>
+            <a:solidFill>
+              <a:schemeClr val="tx1"/>
+            </a:solidFill>
+          </a:ln>
+        </p:spPr>
+        <p:txBody>
+          <a:bodyPr wrap="square" rtlCol="0">
+            <a:spAutoFit/>
+          </a:bodyPr>
+          <a:lstStyle/>
+          <a:p>
+            <a:pPr algn="ctr"/>
+            <a:r>
+              <a:rPr lang="ko-KR" altLang="en-US">
+                <a:solidFill>
+                  <a:schemeClr val="bg1"/>
+                </a:solidFill>
+              </a:rPr>
+              <a:t>로그인</a:t>
+            </a:r>
+            <a:endParaRPr lang="en-US" altLang="ko-KR">
+              <a:solidFill>
+                <a:schemeClr val="bg1"/>
+              </a:solidFill>
+            </a:endParaRPr>
+          </a:p>
+        </p:txBody>
+      </p:sp>
+      <p:sp>
+        <p:nvSpPr>
+          <p:cNvPr id="2" name="TextBox 1">
+            <a:extLst>
+              <a:ext uri="{FF2B5EF4-FFF2-40B4-BE49-F238E27FC236}">
+                <a16:creationId xmlns:a16="http://schemas.microsoft.com/office/drawing/2014/main" id="{4FECA88E-1894-41FB-BAD2-6C51019D8C8A}"/>
+              </a:ext>
+            </a:extLst>
+          </p:cNvPr>
+          <p:cNvSpPr txBox="1"/>
+          <p:nvPr/>
+        </p:nvSpPr>
+        <p:spPr>
+          <a:xfrm>
+            <a:off x="421550" y="1810650"/>
+            <a:ext cx="6613306" cy="1123384"/>
+          </a:xfrm>
+          <a:prstGeom prst="rect">
+            <a:avLst/>
+          </a:prstGeom>
+          <a:noFill/>
+        </p:spPr>
+        <p:txBody>
+          <a:bodyPr wrap="square" rtlCol="0">
+            <a:spAutoFit/>
+          </a:bodyPr>
+          <a:lstStyle/>
+          <a:p>
+            <a:r>
+              <a:rPr lang="en-US" altLang="ko-KR" sz="1200">
+                <a:solidFill>
+                  <a:srgbClr val="FF0000"/>
+                </a:solidFill>
+              </a:rPr>
+              <a:t>[</a:t>
+            </a:r>
+            <a:r>
+              <a:rPr lang="ko-KR" altLang="en-US" sz="1200">
+                <a:solidFill>
+                  <a:srgbClr val="FF0000"/>
+                </a:solidFill>
+              </a:rPr>
+              <a:t>대만</a:t>
+            </a:r>
+            <a:r>
+              <a:rPr lang="en-US" altLang="ko-KR" sz="1200">
+                <a:solidFill>
+                  <a:srgbClr val="FF0000"/>
+                </a:solidFill>
+              </a:rPr>
+              <a:t>]</a:t>
+            </a:r>
+          </a:p>
+          <a:p>
+            <a:endParaRPr lang="en-US" altLang="ko-KR" sz="800">
+              <a:solidFill>
+                <a:srgbClr val="FF0000"/>
+              </a:solidFill>
+            </a:endParaRPr>
+          </a:p>
+          <a:p>
+            <a:r>
+              <a:rPr lang="en-US" altLang="ko-KR"/>
+              <a:t>[</a:t>
+            </a:r>
+            <a:r>
+              <a:rPr lang="ko-KR" altLang="en-US" err="1"/>
+              <a:t>타이베이</a:t>
+            </a:r>
+            <a:r>
+              <a:rPr lang="en-US" altLang="ko-KR"/>
+              <a:t>] </a:t>
+            </a:r>
+            <a:r>
+              <a:rPr lang="ko-KR" altLang="en-US" err="1"/>
+              <a:t>타이베이</a:t>
+            </a:r>
+            <a:r>
+              <a:rPr lang="ko-KR" altLang="en-US"/>
+              <a:t> 시티 호텔</a:t>
+            </a:r>
+            <a:endParaRPr lang="en-US" altLang="ko-KR"/>
+          </a:p>
+          <a:p>
+            <a:endParaRPr lang="en-US" altLang="ko-KR" sz="1100"/>
+          </a:p>
+          <a:p>
+            <a:r>
+              <a:rPr lang="en-US" altLang="ko-KR"/>
+              <a:t>yjhn0715 </a:t>
+            </a:r>
+            <a:r>
+              <a:rPr lang="en-US" altLang="ko-KR">
+                <a:solidFill>
+                  <a:schemeClr val="accent3"/>
+                </a:solidFill>
+              </a:rPr>
+              <a:t>2020.2.2</a:t>
+            </a:r>
+            <a:r>
+              <a:rPr lang="en-US" altLang="ko-KR"/>
+              <a:t>  </a:t>
+            </a:r>
+            <a:r>
+              <a:rPr lang="en-US" altLang="ko-KR" sz="900">
+                <a:solidFill>
+                  <a:schemeClr val="accent3"/>
+                </a:solidFill>
+              </a:rPr>
+              <a:t>(</a:t>
+            </a:r>
+            <a:r>
+              <a:rPr lang="ko-KR" altLang="en-US" sz="900">
+                <a:solidFill>
+                  <a:schemeClr val="accent3"/>
+                </a:solidFill>
+              </a:rPr>
+              <a:t>수정됨</a:t>
+            </a:r>
+            <a:r>
+              <a:rPr lang="en-US" altLang="ko-KR" sz="900">
+                <a:solidFill>
+                  <a:schemeClr val="accent3"/>
+                </a:solidFill>
+              </a:rPr>
+              <a:t>)</a:t>
+            </a:r>
+            <a:r>
+              <a:rPr lang="en-US" altLang="ko-KR"/>
+              <a:t>          	   </a:t>
+            </a:r>
+            <a:r>
+              <a:rPr lang="ko-KR" altLang="en-US" sz="1400">
+                <a:solidFill>
+                  <a:schemeClr val="accent3"/>
+                </a:solidFill>
+              </a:rPr>
+              <a:t>조회 </a:t>
+            </a:r>
+            <a:r>
+              <a:rPr lang="en-US" altLang="ko-KR" sz="1400">
+                <a:solidFill>
+                  <a:schemeClr val="accent3"/>
+                </a:solidFill>
+              </a:rPr>
+              <a:t>32 | </a:t>
+            </a:r>
+            <a:r>
+              <a:rPr lang="ko-KR" altLang="en-US" sz="1400">
+                <a:solidFill>
+                  <a:schemeClr val="accent3"/>
+                </a:solidFill>
+              </a:rPr>
+              <a:t>댓글 </a:t>
+            </a:r>
+            <a:r>
+              <a:rPr lang="en-US" altLang="ko-KR" sz="1400">
+                <a:solidFill>
+                  <a:schemeClr val="accent3"/>
+                </a:solidFill>
+              </a:rPr>
+              <a:t>1 | </a:t>
+            </a:r>
+            <a:r>
+              <a:rPr lang="ko-KR" altLang="en-US" sz="1400">
+                <a:solidFill>
+                  <a:schemeClr val="accent3"/>
+                </a:solidFill>
+              </a:rPr>
+              <a:t>좋아요 </a:t>
+            </a:r>
+            <a:r>
+              <a:rPr lang="en-US" altLang="ko-KR" sz="1400">
+                <a:solidFill>
+                  <a:schemeClr val="accent3"/>
+                </a:solidFill>
+              </a:rPr>
+              <a:t>3</a:t>
+            </a:r>
+            <a:endParaRPr lang="en-US" altLang="ko-KR">
+              <a:solidFill>
+                <a:schemeClr val="accent3"/>
+              </a:solidFill>
+            </a:endParaRPr>
+          </a:p>
+        </p:txBody>
+      </p:sp>
+      <p:sp>
+        <p:nvSpPr>
+          <p:cNvPr id="3" name="TextBox 2">
+            <a:extLst>
+              <a:ext uri="{FF2B5EF4-FFF2-40B4-BE49-F238E27FC236}">
+                <a16:creationId xmlns:a16="http://schemas.microsoft.com/office/drawing/2014/main" id="{FC8C8E6C-5E35-46E7-B69F-1F2FCEB5A228}"/>
+              </a:ext>
+            </a:extLst>
+          </p:cNvPr>
+          <p:cNvSpPr txBox="1"/>
+          <p:nvPr/>
+        </p:nvSpPr>
+        <p:spPr>
+          <a:xfrm>
+            <a:off x="146805" y="-514350"/>
+            <a:ext cx="1681995" cy="369332"/>
+          </a:xfrm>
+          <a:prstGeom prst="rect">
+            <a:avLst/>
+          </a:prstGeom>
+          <a:noFill/>
+        </p:spPr>
+        <p:txBody>
+          <a:bodyPr wrap="square" rtlCol="0">
+            <a:spAutoFit/>
+          </a:bodyPr>
+          <a:lstStyle/>
+          <a:p>
+            <a:r>
+              <a:rPr lang="ko-KR" altLang="en-US"/>
+              <a:t>글 상세보기</a:t>
+            </a:r>
+          </a:p>
+        </p:txBody>
+      </p:sp>
+      <p:cxnSp>
+        <p:nvCxnSpPr>
+          <p:cNvPr id="6" name="직선 연결선 5">
+            <a:extLst>
+              <a:ext uri="{FF2B5EF4-FFF2-40B4-BE49-F238E27FC236}">
+                <a16:creationId xmlns:a16="http://schemas.microsoft.com/office/drawing/2014/main" id="{C713F2B8-F64C-4675-885C-0DEF8815E891}"/>
+              </a:ext>
+            </a:extLst>
+          </p:cNvPr>
+          <p:cNvCxnSpPr/>
+          <p:nvPr/>
+        </p:nvCxnSpPr>
+        <p:spPr>
+          <a:xfrm>
+            <a:off x="216012" y="3003258"/>
+            <a:ext cx="7024382" cy="0"/>
+          </a:xfrm>
+          <a:prstGeom prst="line">
+            <a:avLst/>
+          </a:prstGeom>
+        </p:spPr>
+        <p:style>
+          <a:lnRef idx="1">
+            <a:schemeClr val="accent1"/>
+          </a:lnRef>
+          <a:fillRef idx="0">
+            <a:schemeClr val="accent1"/>
+          </a:fillRef>
+          <a:effectRef idx="0">
+            <a:schemeClr val="accent1"/>
+          </a:effectRef>
+          <a:fontRef idx="minor">
+            <a:schemeClr val="tx1"/>
+          </a:fontRef>
+        </p:style>
+      </p:cxnSp>
+      <p:sp>
+        <p:nvSpPr>
+          <p:cNvPr id="7" name="TextBox 6">
+            <a:extLst>
+              <a:ext uri="{FF2B5EF4-FFF2-40B4-BE49-F238E27FC236}">
+                <a16:creationId xmlns:a16="http://schemas.microsoft.com/office/drawing/2014/main" id="{14D54C68-38D3-48C3-AF70-F2989ACF876B}"/>
+              </a:ext>
+            </a:extLst>
+          </p:cNvPr>
+          <p:cNvSpPr txBox="1"/>
+          <p:nvPr/>
+        </p:nvSpPr>
+        <p:spPr>
+          <a:xfrm>
+            <a:off x="494950" y="3179222"/>
+            <a:ext cx="6392411" cy="369332"/>
+          </a:xfrm>
+          <a:prstGeom prst="rect">
+            <a:avLst/>
+          </a:prstGeom>
+          <a:noFill/>
+        </p:spPr>
+        <p:txBody>
+          <a:bodyPr wrap="square" rtlCol="0">
+            <a:spAutoFit/>
+          </a:bodyPr>
+          <a:lstStyle/>
+          <a:p>
+            <a:r>
+              <a:rPr lang="ko-KR" altLang="en-US"/>
+              <a:t>타이베이 시티 호텔 입구입니다</a:t>
+            </a:r>
+            <a:r>
+              <a:rPr lang="en-US" altLang="ko-KR"/>
+              <a:t>.</a:t>
+            </a:r>
+            <a:endParaRPr lang="ko-KR" altLang="en-US"/>
+          </a:p>
+        </p:txBody>
+      </p:sp>
+      <p:pic>
+        <p:nvPicPr>
+          <p:cNvPr id="8" name="그림 7">
+            <a:extLst>
+              <a:ext uri="{FF2B5EF4-FFF2-40B4-BE49-F238E27FC236}">
+                <a16:creationId xmlns:a16="http://schemas.microsoft.com/office/drawing/2014/main" id="{5623BDA5-A5F0-4C98-BEC4-51158226A1D3}"/>
+              </a:ext>
+            </a:extLst>
+          </p:cNvPr>
+          <p:cNvPicPr>
+            <a:picLocks noChangeAspect="1"/>
+          </p:cNvPicPr>
+          <p:nvPr/>
+        </p:nvPicPr>
+        <p:blipFill>
+          <a:blip r:embed="rId2"/>
+          <a:stretch>
+            <a:fillRect/>
+          </a:stretch>
+        </p:blipFill>
+        <p:spPr>
+          <a:xfrm>
+            <a:off x="561364" y="3590304"/>
+            <a:ext cx="5976543" cy="2520415"/>
+          </a:xfrm>
+          <a:prstGeom prst="rect">
+            <a:avLst/>
+          </a:prstGeom>
+        </p:spPr>
+      </p:pic>
+      <p:sp>
+        <p:nvSpPr>
+          <p:cNvPr id="21" name="TextBox 20">
+            <a:extLst>
+              <a:ext uri="{FF2B5EF4-FFF2-40B4-BE49-F238E27FC236}">
+                <a16:creationId xmlns:a16="http://schemas.microsoft.com/office/drawing/2014/main" id="{3EB279EF-D251-4FDB-A758-15F9C4C9A3AE}"/>
+              </a:ext>
+            </a:extLst>
+          </p:cNvPr>
+          <p:cNvSpPr txBox="1"/>
+          <p:nvPr/>
+        </p:nvSpPr>
+        <p:spPr>
+          <a:xfrm>
+            <a:off x="7441718" y="157008"/>
+            <a:ext cx="4429387" cy="4647426"/>
+          </a:xfrm>
+          <a:prstGeom prst="rect">
+            <a:avLst/>
+          </a:prstGeom>
+          <a:noFill/>
+        </p:spPr>
+        <p:txBody>
+          <a:bodyPr wrap="square" rtlCol="0">
+            <a:spAutoFit/>
+          </a:bodyPr>
+          <a:lstStyle/>
+          <a:p>
+            <a:pPr marL="342900" indent="-342900">
+              <a:buAutoNum type="arabicPeriod"/>
+            </a:pPr>
+            <a:r>
+              <a:rPr lang="ko-KR" altLang="en-US" sz="2400"/>
+              <a:t>글 상세보기</a:t>
+            </a:r>
+            <a:endParaRPr lang="en-US" altLang="ko-KR" sz="2400"/>
+          </a:p>
+          <a:p>
+            <a:r>
+              <a:rPr lang="en-US" altLang="ko-KR" sz="1600"/>
+              <a:t> - </a:t>
+            </a:r>
+            <a:r>
+              <a:rPr lang="ko-KR" altLang="en-US" sz="1600"/>
+              <a:t>제목에서 회원 유저의 아이디를 클릭하면 유저가 작성한 게시글로 넘어갈 수 있다</a:t>
+            </a:r>
+            <a:r>
+              <a:rPr lang="en-US" altLang="ko-KR" sz="1600"/>
+              <a:t>.</a:t>
+            </a:r>
+          </a:p>
+          <a:p>
+            <a:r>
+              <a:rPr lang="en-US" altLang="ko-KR" sz="1600"/>
+              <a:t> - </a:t>
+            </a:r>
+            <a:r>
+              <a:rPr lang="ko-KR" altLang="en-US" sz="1600"/>
+              <a:t>게시글의 부가 정보</a:t>
+            </a:r>
+            <a:r>
+              <a:rPr lang="en-US" altLang="ko-KR" sz="1600"/>
+              <a:t>(</a:t>
+            </a:r>
+            <a:r>
+              <a:rPr lang="ko-KR" altLang="en-US" sz="1600"/>
+              <a:t>작성일</a:t>
+            </a:r>
+            <a:r>
+              <a:rPr lang="en-US" altLang="ko-KR" sz="1600"/>
+              <a:t>, </a:t>
+            </a:r>
+            <a:r>
+              <a:rPr lang="ko-KR" altLang="en-US" sz="1600"/>
+              <a:t>조회</a:t>
+            </a:r>
+            <a:r>
+              <a:rPr lang="en-US" altLang="ko-KR" sz="1600"/>
+              <a:t>, </a:t>
+            </a:r>
+            <a:r>
+              <a:rPr lang="ko-KR" altLang="en-US" sz="1600"/>
+              <a:t>댓글</a:t>
+            </a:r>
+            <a:r>
+              <a:rPr lang="en-US" altLang="ko-KR" sz="1600"/>
+              <a:t>)</a:t>
+            </a:r>
+            <a:r>
+              <a:rPr lang="ko-KR" altLang="en-US" sz="1600"/>
+              <a:t>은 회색으로 클릭이 불가하다</a:t>
+            </a:r>
+            <a:r>
+              <a:rPr lang="en-US" altLang="ko-KR" sz="1600"/>
+              <a:t>.</a:t>
+            </a:r>
+          </a:p>
+          <a:p>
+            <a:r>
+              <a:rPr lang="en-US" altLang="ko-KR" sz="1600"/>
+              <a:t> - </a:t>
+            </a:r>
+            <a:r>
+              <a:rPr lang="ko-KR" altLang="en-US" sz="1600"/>
+              <a:t>게시글을 수정하는 경우</a:t>
+            </a:r>
+            <a:r>
+              <a:rPr lang="en-US" altLang="ko-KR" sz="1600"/>
+              <a:t>, </a:t>
+            </a:r>
+            <a:r>
+              <a:rPr lang="ko-KR" altLang="en-US" sz="1600"/>
+              <a:t>날짜 옆에 </a:t>
+            </a:r>
+            <a:r>
+              <a:rPr lang="en-US" altLang="ko-KR" sz="1600"/>
+              <a:t>(</a:t>
+            </a:r>
+            <a:r>
+              <a:rPr lang="ko-KR" altLang="en-US" sz="1600"/>
+              <a:t>수정됨</a:t>
+            </a:r>
+            <a:r>
+              <a:rPr lang="en-US" altLang="ko-KR" sz="1600"/>
+              <a:t>) </a:t>
+            </a:r>
+            <a:r>
+              <a:rPr lang="ko-KR" altLang="en-US" sz="1600"/>
+              <a:t>이라는 문구가 표시된다</a:t>
+            </a:r>
+            <a:r>
+              <a:rPr lang="en-US" altLang="ko-KR" sz="1600"/>
+              <a:t>.</a:t>
+            </a:r>
+          </a:p>
+          <a:p>
+            <a:endParaRPr lang="en-US" altLang="ko-KR" sz="1600"/>
+          </a:p>
+          <a:p>
+            <a:r>
+              <a:rPr lang="en-US" altLang="ko-KR" sz="2400"/>
+              <a:t>2. </a:t>
+            </a:r>
+            <a:r>
+              <a:rPr lang="ko-KR" altLang="en-US" sz="2400"/>
+              <a:t>좋아요</a:t>
+            </a:r>
+            <a:r>
+              <a:rPr lang="en-US" altLang="ko-KR" sz="2400"/>
+              <a:t>, </a:t>
+            </a:r>
+            <a:r>
+              <a:rPr lang="ko-KR" altLang="en-US" sz="2400"/>
+              <a:t>신고 기능</a:t>
+            </a:r>
+            <a:endParaRPr lang="en-US" altLang="ko-KR" sz="2400"/>
+          </a:p>
+          <a:p>
+            <a:r>
+              <a:rPr lang="en-US" altLang="ko-KR" sz="1600"/>
+              <a:t> - </a:t>
+            </a:r>
+            <a:r>
+              <a:rPr lang="ko-KR" altLang="en-US" sz="1600"/>
+              <a:t>좋아요는 로그인을 해야 가능하다</a:t>
+            </a:r>
+            <a:r>
+              <a:rPr lang="en-US" altLang="ko-KR" sz="1600"/>
+              <a:t>. </a:t>
+            </a:r>
+            <a:r>
+              <a:rPr lang="ko-KR" altLang="en-US" sz="1600"/>
+              <a:t>로그인이 되어있지 않으면 로그인 페이지로 이동</a:t>
+            </a:r>
+            <a:r>
+              <a:rPr lang="en-US" altLang="ko-KR" sz="1600"/>
+              <a:t>.</a:t>
+            </a:r>
+          </a:p>
+          <a:p>
+            <a:r>
+              <a:rPr lang="en-US" altLang="ko-KR" sz="1600"/>
+              <a:t> - </a:t>
+            </a:r>
+            <a:r>
+              <a:rPr lang="ko-KR" altLang="en-US" sz="1600"/>
+              <a:t>신고는 로그인을 하지 않아도 가능하다</a:t>
+            </a:r>
+            <a:r>
+              <a:rPr lang="en-US" altLang="ko-KR" sz="1600"/>
+              <a:t>.</a:t>
+            </a:r>
+          </a:p>
+          <a:p>
+            <a:endParaRPr lang="en-US" altLang="ko-KR" sz="1600"/>
+          </a:p>
+          <a:p>
+            <a:r>
+              <a:rPr lang="en-US" altLang="ko-KR" sz="2400"/>
+              <a:t>3. </a:t>
+            </a:r>
+            <a:r>
+              <a:rPr lang="ko-KR" altLang="en-US" sz="2400"/>
+              <a:t>즐겨찾기 기능</a:t>
+            </a:r>
+            <a:endParaRPr lang="en-US" altLang="ko-KR" sz="2400"/>
+          </a:p>
+          <a:p>
+            <a:r>
+              <a:rPr lang="en-US" altLang="ko-KR" sz="1600"/>
+              <a:t> - </a:t>
+            </a:r>
+            <a:r>
+              <a:rPr lang="ko-KR" altLang="en-US" sz="1600"/>
+              <a:t>즐겨찾기는 로그인 유저만 가능하며</a:t>
+            </a:r>
+            <a:r>
+              <a:rPr lang="en-US" altLang="ko-KR" sz="1600"/>
+              <a:t>, </a:t>
+            </a:r>
+            <a:r>
+              <a:rPr lang="ko-KR" altLang="en-US" sz="1600"/>
+              <a:t>마이 페이지로 이동했을 때 즐겨찾기에 등록된 글들을 확인할 수 있다</a:t>
+            </a:r>
+            <a:r>
+              <a:rPr lang="en-US" altLang="ko-KR" sz="1600"/>
+              <a:t>.</a:t>
+            </a:r>
+          </a:p>
+        </p:txBody>
+      </p:sp>
+      <p:pic>
+        <p:nvPicPr>
+          <p:cNvPr id="9" name="그림 8">
+            <a:extLst>
+              <a:ext uri="{FF2B5EF4-FFF2-40B4-BE49-F238E27FC236}">
+                <a16:creationId xmlns:a16="http://schemas.microsoft.com/office/drawing/2014/main" id="{1AE3ACD1-EBCC-423C-BA5C-985700B9B225}"/>
+              </a:ext>
+            </a:extLst>
+          </p:cNvPr>
+          <p:cNvPicPr>
+            <a:picLocks noChangeAspect="1"/>
+          </p:cNvPicPr>
+          <p:nvPr/>
+        </p:nvPicPr>
+        <p:blipFill>
+          <a:blip r:embed="rId3"/>
+          <a:stretch>
+            <a:fillRect/>
+          </a:stretch>
+        </p:blipFill>
+        <p:spPr>
+          <a:xfrm>
+            <a:off x="6673949" y="6110719"/>
+            <a:ext cx="460565" cy="406753"/>
+          </a:xfrm>
+          <a:prstGeom prst="rect">
+            <a:avLst/>
+          </a:prstGeom>
+        </p:spPr>
+      </p:pic>
+      <p:pic>
+        <p:nvPicPr>
+          <p:cNvPr id="10" name="그림 9">
+            <a:extLst>
+              <a:ext uri="{FF2B5EF4-FFF2-40B4-BE49-F238E27FC236}">
+                <a16:creationId xmlns:a16="http://schemas.microsoft.com/office/drawing/2014/main" id="{2238A188-51B7-4B6D-AAA5-6592D3872852}"/>
+              </a:ext>
+            </a:extLst>
+          </p:cNvPr>
+          <p:cNvPicPr>
+            <a:picLocks noChangeAspect="1"/>
+          </p:cNvPicPr>
+          <p:nvPr/>
+        </p:nvPicPr>
+        <p:blipFill>
+          <a:blip r:embed="rId4"/>
+          <a:stretch>
+            <a:fillRect/>
+          </a:stretch>
+        </p:blipFill>
+        <p:spPr>
+          <a:xfrm>
+            <a:off x="361339" y="6152270"/>
+            <a:ext cx="400050" cy="379575"/>
+          </a:xfrm>
+          <a:prstGeom prst="rect">
+            <a:avLst/>
+          </a:prstGeom>
+        </p:spPr>
+      </p:pic>
+      <p:pic>
+        <p:nvPicPr>
+          <p:cNvPr id="11" name="그림 10">
+            <a:extLst>
+              <a:ext uri="{FF2B5EF4-FFF2-40B4-BE49-F238E27FC236}">
+                <a16:creationId xmlns:a16="http://schemas.microsoft.com/office/drawing/2014/main" id="{29828656-A8DF-4A52-803F-58935E48087E}"/>
+              </a:ext>
+            </a:extLst>
+          </p:cNvPr>
+          <p:cNvPicPr>
+            <a:picLocks noChangeAspect="1"/>
+          </p:cNvPicPr>
+          <p:nvPr/>
+        </p:nvPicPr>
+        <p:blipFill>
+          <a:blip r:embed="rId5"/>
+          <a:stretch>
+            <a:fillRect/>
+          </a:stretch>
+        </p:blipFill>
+        <p:spPr>
+          <a:xfrm>
+            <a:off x="6311278" y="6152270"/>
+            <a:ext cx="362671" cy="379575"/>
+          </a:xfrm>
+          <a:prstGeom prst="rect">
+            <a:avLst/>
+          </a:prstGeom>
+        </p:spPr>
+      </p:pic>
+      <p:sp>
+        <p:nvSpPr>
+          <p:cNvPr id="29" name="TextBox 28">
+            <a:extLst>
+              <a:ext uri="{FF2B5EF4-FFF2-40B4-BE49-F238E27FC236}">
+                <a16:creationId xmlns:a16="http://schemas.microsoft.com/office/drawing/2014/main" id="{118DB767-3B9F-4CCA-8AFB-CEDBC5E7D29B}"/>
+              </a:ext>
+            </a:extLst>
+          </p:cNvPr>
+          <p:cNvSpPr txBox="1"/>
+          <p:nvPr/>
+        </p:nvSpPr>
+        <p:spPr>
+          <a:xfrm>
+            <a:off x="721454" y="6148140"/>
+            <a:ext cx="362671" cy="369332"/>
+          </a:xfrm>
+          <a:prstGeom prst="rect">
+            <a:avLst/>
+          </a:prstGeom>
+          <a:noFill/>
+        </p:spPr>
+        <p:txBody>
+          <a:bodyPr wrap="square" rtlCol="0">
+            <a:spAutoFit/>
+          </a:bodyPr>
+          <a:lstStyle/>
+          <a:p>
+            <a:r>
+              <a:rPr lang="en-US" altLang="ko-KR">
+                <a:solidFill>
+                  <a:schemeClr val="accent3"/>
+                </a:solidFill>
+              </a:rPr>
+              <a:t>3</a:t>
+            </a:r>
+            <a:endParaRPr lang="ko-KR" altLang="en-US">
+              <a:solidFill>
+                <a:schemeClr val="accent3"/>
+              </a:solidFill>
+            </a:endParaRPr>
+          </a:p>
+        </p:txBody>
+      </p:sp>
+    </p:spTree>
+    <p:extLst>
+      <p:ext uri="{BB962C8B-B14F-4D97-AF65-F5344CB8AC3E}">
+        <p14:creationId xmlns:p14="http://schemas.microsoft.com/office/powerpoint/2010/main" val="2310544122"/>
+      </p:ext>
+    </p:extLst>
+  </p:cSld>
+  <p:clrMapOvr>
+    <a:masterClrMapping/>
+  </p:clrMapOvr>
+</p:sld>
+</file>
+
+<file path=ppt/slides/slide3.xml><?xml version="1.0" encoding="utf-8"?>
+<p:sld xmlns:a="http://schemas.openxmlformats.org/drawingml/2006/main" xmlns:r="http://schemas.openxmlformats.org/officeDocument/2006/relationships" xmlns:p="http://schemas.openxmlformats.org/presentationml/2006/main">
+  <p:cSld>
+    <p:spTree>
+      <p:nvGrpSpPr>
+        <p:cNvPr id="1" name=""/>
+        <p:cNvGrpSpPr/>
+        <p:nvPr/>
+      </p:nvGrpSpPr>
+      <p:grpSpPr>
+        <a:xfrm>
+          <a:off x="0" y="0"/>
+          <a:ext cx="0" cy="0"/>
+          <a:chOff x="0" y="0"/>
+          <a:chExt cx="0" cy="0"/>
+        </a:xfrm>
+      </p:grpSpPr>
+      <p:sp>
+        <p:nvSpPr>
+          <p:cNvPr id="4" name="직사각형 3">
+            <a:extLst>
+              <a:ext uri="{FF2B5EF4-FFF2-40B4-BE49-F238E27FC236}">
+                <a16:creationId xmlns:a16="http://schemas.microsoft.com/office/drawing/2014/main" id="{8552387D-7B2A-488E-8C76-F54E88C8DD82}"/>
               </a:ext>
             </a:extLst>
           </p:cNvPr>
@@ -5623,10 +6457,10 @@
         </p:nvSpPr>
         <p:spPr>
           <a:xfrm>
-            <a:off x="377505" y="2069259"/>
-            <a:ext cx="1115734" cy="441842"/>
-          </a:xfrm>
-          <a:prstGeom prst="ellipse">
+            <a:off x="195039" y="207077"/>
+            <a:ext cx="7024382" cy="6363741"/>
+          </a:xfrm>
+          <a:prstGeom prst="rect">
             <a:avLst/>
           </a:prstGeom>
           <a:solidFill>
@@ -5654,23 +6488,499 @@
           <a:lstStyle/>
           <a:p>
             <a:pPr algn="ctr"/>
-            <a:r>
-              <a:rPr lang="ko-KR" altLang="en-US">
-                <a:solidFill>
-                  <a:schemeClr val="tx1"/>
-                </a:solidFill>
-              </a:rPr>
-              <a:t>전체</a:t>
-            </a:r>
-          </a:p>
-        </p:txBody>
-      </p:sp>
-      <p:sp>
-        <p:nvSpPr>
-          <p:cNvPr id="38" name="타원 37">
-            <a:extLst>
-              <a:ext uri="{FF2B5EF4-FFF2-40B4-BE49-F238E27FC236}">
-                <a16:creationId xmlns:a16="http://schemas.microsoft.com/office/drawing/2014/main" id="{2B412187-EEF8-4BA7-884A-3D0594501B8E}"/>
+            <a:endParaRPr lang="ko-KR" altLang="en-US"/>
+          </a:p>
+        </p:txBody>
+      </p:sp>
+      <p:sp>
+        <p:nvSpPr>
+          <p:cNvPr id="12" name="TextBox 11">
+            <a:extLst>
+              <a:ext uri="{FF2B5EF4-FFF2-40B4-BE49-F238E27FC236}">
+                <a16:creationId xmlns:a16="http://schemas.microsoft.com/office/drawing/2014/main" id="{92C177C0-21DD-4F1C-A6FC-F5A7F2872873}"/>
+              </a:ext>
+            </a:extLst>
+          </p:cNvPr>
+          <p:cNvSpPr txBox="1"/>
+          <p:nvPr/>
+        </p:nvSpPr>
+        <p:spPr>
+          <a:xfrm>
+            <a:off x="146805" y="-514350"/>
+            <a:ext cx="2282070" cy="369332"/>
+          </a:xfrm>
+          <a:prstGeom prst="rect">
+            <a:avLst/>
+          </a:prstGeom>
+          <a:noFill/>
+        </p:spPr>
+        <p:txBody>
+          <a:bodyPr wrap="square" rtlCol="0">
+            <a:spAutoFit/>
+          </a:bodyPr>
+          <a:lstStyle/>
+          <a:p>
+            <a:r>
+              <a:rPr lang="ko-KR" altLang="en-US"/>
+              <a:t>글 상세보기 </a:t>
+            </a:r>
+            <a:r>
+              <a:rPr lang="en-US" altLang="ko-KR"/>
+              <a:t>-</a:t>
+            </a:r>
+            <a:r>
+              <a:rPr lang="ko-KR" altLang="en-US"/>
+              <a:t> 댓글</a:t>
+            </a:r>
+          </a:p>
+        </p:txBody>
+      </p:sp>
+      <p:sp>
+        <p:nvSpPr>
+          <p:cNvPr id="14" name="TextBox 13">
+            <a:extLst>
+              <a:ext uri="{FF2B5EF4-FFF2-40B4-BE49-F238E27FC236}">
+                <a16:creationId xmlns:a16="http://schemas.microsoft.com/office/drawing/2014/main" id="{DDF44B6C-F2DA-4821-984F-6A06718606AD}"/>
+              </a:ext>
+            </a:extLst>
+          </p:cNvPr>
+          <p:cNvSpPr txBox="1"/>
+          <p:nvPr/>
+        </p:nvSpPr>
+        <p:spPr>
+          <a:xfrm>
+            <a:off x="454506" y="243391"/>
+            <a:ext cx="6392411" cy="369332"/>
+          </a:xfrm>
+          <a:prstGeom prst="rect">
+            <a:avLst/>
+          </a:prstGeom>
+          <a:noFill/>
+        </p:spPr>
+        <p:txBody>
+          <a:bodyPr wrap="square" rtlCol="0">
+            <a:spAutoFit/>
+          </a:bodyPr>
+          <a:lstStyle/>
+          <a:p>
+            <a:r>
+              <a:rPr lang="ko-KR" altLang="en-US"/>
+              <a:t>타이베이 시티 호텔 입구입니다</a:t>
+            </a:r>
+            <a:r>
+              <a:rPr lang="en-US" altLang="ko-KR"/>
+              <a:t>.</a:t>
+            </a:r>
+            <a:endParaRPr lang="ko-KR" altLang="en-US"/>
+          </a:p>
+        </p:txBody>
+      </p:sp>
+      <p:pic>
+        <p:nvPicPr>
+          <p:cNvPr id="15" name="그림 14">
+            <a:extLst>
+              <a:ext uri="{FF2B5EF4-FFF2-40B4-BE49-F238E27FC236}">
+                <a16:creationId xmlns:a16="http://schemas.microsoft.com/office/drawing/2014/main" id="{7B72E9BF-8066-4C5C-9AAF-78B3E73C67E4}"/>
+              </a:ext>
+            </a:extLst>
+          </p:cNvPr>
+          <p:cNvPicPr>
+            <a:picLocks noChangeAspect="1"/>
+          </p:cNvPicPr>
+          <p:nvPr/>
+        </p:nvPicPr>
+        <p:blipFill>
+          <a:blip r:embed="rId2"/>
+          <a:stretch>
+            <a:fillRect/>
+          </a:stretch>
+        </p:blipFill>
+        <p:spPr>
+          <a:xfrm>
+            <a:off x="520920" y="654473"/>
+            <a:ext cx="6112585" cy="1508538"/>
+          </a:xfrm>
+          <a:prstGeom prst="rect">
+            <a:avLst/>
+          </a:prstGeom>
+        </p:spPr>
+      </p:pic>
+      <p:sp>
+        <p:nvSpPr>
+          <p:cNvPr id="16" name="TextBox 15">
+            <a:extLst>
+              <a:ext uri="{FF2B5EF4-FFF2-40B4-BE49-F238E27FC236}">
+                <a16:creationId xmlns:a16="http://schemas.microsoft.com/office/drawing/2014/main" id="{565BCC4B-439E-4219-A41D-40C1705711AB}"/>
+              </a:ext>
+            </a:extLst>
+          </p:cNvPr>
+          <p:cNvSpPr txBox="1"/>
+          <p:nvPr/>
+        </p:nvSpPr>
+        <p:spPr>
+          <a:xfrm>
+            <a:off x="7441718" y="157008"/>
+            <a:ext cx="4429387" cy="1200329"/>
+          </a:xfrm>
+          <a:prstGeom prst="rect">
+            <a:avLst/>
+          </a:prstGeom>
+          <a:noFill/>
+        </p:spPr>
+        <p:txBody>
+          <a:bodyPr wrap="square" rtlCol="0">
+            <a:spAutoFit/>
+          </a:bodyPr>
+          <a:lstStyle/>
+          <a:p>
+            <a:pPr marL="342900" indent="-342900">
+              <a:buAutoNum type="arabicPeriod"/>
+            </a:pPr>
+            <a:r>
+              <a:rPr lang="ko-KR" altLang="en-US" sz="2400"/>
+              <a:t>댓글 기능</a:t>
+            </a:r>
+            <a:endParaRPr lang="en-US" altLang="ko-KR" sz="2400"/>
+          </a:p>
+          <a:p>
+            <a:r>
+              <a:rPr lang="en-US" altLang="ko-KR" sz="1600"/>
+              <a:t> - </a:t>
+            </a:r>
+            <a:r>
+              <a:rPr lang="ko-KR" altLang="en-US" sz="1600"/>
+              <a:t>댓글은 글쓴이와 일반 유저로 구분한다</a:t>
+            </a:r>
+            <a:r>
+              <a:rPr lang="en-US" altLang="ko-KR" sz="1600"/>
+              <a:t>.</a:t>
+            </a:r>
+          </a:p>
+          <a:p>
+            <a:r>
+              <a:rPr lang="en-US" altLang="ko-KR" sz="1600"/>
+              <a:t> - </a:t>
+            </a:r>
+            <a:r>
+              <a:rPr lang="ko-KR" altLang="en-US" sz="1600"/>
+              <a:t>댓글에는 좋아요 기능이 존재하며</a:t>
+            </a:r>
+            <a:r>
+              <a:rPr lang="en-US" altLang="ko-KR" sz="1600"/>
+              <a:t>, </a:t>
+            </a:r>
+            <a:r>
+              <a:rPr lang="ko-KR" altLang="en-US" sz="1600"/>
+              <a:t>댓글에 다시 댓글을 다는 기능이 존재한다</a:t>
+            </a:r>
+            <a:r>
+              <a:rPr lang="en-US" altLang="ko-KR" sz="1600"/>
+              <a:t>.</a:t>
+            </a:r>
+          </a:p>
+        </p:txBody>
+      </p:sp>
+      <p:pic>
+        <p:nvPicPr>
+          <p:cNvPr id="17" name="그림 16">
+            <a:extLst>
+              <a:ext uri="{FF2B5EF4-FFF2-40B4-BE49-F238E27FC236}">
+                <a16:creationId xmlns:a16="http://schemas.microsoft.com/office/drawing/2014/main" id="{026E5F00-C3FB-4DA8-A6E2-AAC7BCE21BA8}"/>
+              </a:ext>
+            </a:extLst>
+          </p:cNvPr>
+          <p:cNvPicPr>
+            <a:picLocks noChangeAspect="1"/>
+          </p:cNvPicPr>
+          <p:nvPr/>
+        </p:nvPicPr>
+        <p:blipFill>
+          <a:blip r:embed="rId3"/>
+          <a:stretch>
+            <a:fillRect/>
+          </a:stretch>
+        </p:blipFill>
+        <p:spPr>
+          <a:xfrm>
+            <a:off x="1918769" y="3828897"/>
+            <a:ext cx="460565" cy="406753"/>
+          </a:xfrm>
+          <a:prstGeom prst="rect">
+            <a:avLst/>
+          </a:prstGeom>
+        </p:spPr>
+      </p:pic>
+      <p:pic>
+        <p:nvPicPr>
+          <p:cNvPr id="18" name="그림 17">
+            <a:extLst>
+              <a:ext uri="{FF2B5EF4-FFF2-40B4-BE49-F238E27FC236}">
+                <a16:creationId xmlns:a16="http://schemas.microsoft.com/office/drawing/2014/main" id="{B280B5D5-2B3A-4B8A-9BC3-69607F04B14F}"/>
+              </a:ext>
+            </a:extLst>
+          </p:cNvPr>
+          <p:cNvPicPr>
+            <a:picLocks noChangeAspect="1"/>
+          </p:cNvPicPr>
+          <p:nvPr/>
+        </p:nvPicPr>
+        <p:blipFill>
+          <a:blip r:embed="rId4"/>
+          <a:stretch>
+            <a:fillRect/>
+          </a:stretch>
+        </p:blipFill>
+        <p:spPr>
+          <a:xfrm>
+            <a:off x="320895" y="2254414"/>
+            <a:ext cx="400050" cy="379575"/>
+          </a:xfrm>
+          <a:prstGeom prst="rect">
+            <a:avLst/>
+          </a:prstGeom>
+        </p:spPr>
+      </p:pic>
+      <p:pic>
+        <p:nvPicPr>
+          <p:cNvPr id="19" name="그림 18">
+            <a:extLst>
+              <a:ext uri="{FF2B5EF4-FFF2-40B4-BE49-F238E27FC236}">
+                <a16:creationId xmlns:a16="http://schemas.microsoft.com/office/drawing/2014/main" id="{E8DD6DDF-50AE-4802-BAD3-2BD3919ACDBA}"/>
+              </a:ext>
+            </a:extLst>
+          </p:cNvPr>
+          <p:cNvPicPr>
+            <a:picLocks noChangeAspect="1"/>
+          </p:cNvPicPr>
+          <p:nvPr/>
+        </p:nvPicPr>
+        <p:blipFill>
+          <a:blip r:embed="rId5"/>
+          <a:stretch>
+            <a:fillRect/>
+          </a:stretch>
+        </p:blipFill>
+        <p:spPr>
+          <a:xfrm>
+            <a:off x="6270834" y="2254414"/>
+            <a:ext cx="362671" cy="379575"/>
+          </a:xfrm>
+          <a:prstGeom prst="rect">
+            <a:avLst/>
+          </a:prstGeom>
+        </p:spPr>
+      </p:pic>
+      <p:cxnSp>
+        <p:nvCxnSpPr>
+          <p:cNvPr id="20" name="직선 연결선 19">
+            <a:extLst>
+              <a:ext uri="{FF2B5EF4-FFF2-40B4-BE49-F238E27FC236}">
+                <a16:creationId xmlns:a16="http://schemas.microsoft.com/office/drawing/2014/main" id="{08EB260C-F017-4766-9B5F-75C8C9C6DEA6}"/>
+              </a:ext>
+            </a:extLst>
+          </p:cNvPr>
+          <p:cNvCxnSpPr/>
+          <p:nvPr/>
+        </p:nvCxnSpPr>
+        <p:spPr>
+          <a:xfrm>
+            <a:off x="195039" y="2736558"/>
+            <a:ext cx="7024382" cy="0"/>
+          </a:xfrm>
+          <a:prstGeom prst="line">
+            <a:avLst/>
+          </a:prstGeom>
+        </p:spPr>
+        <p:style>
+          <a:lnRef idx="1">
+            <a:schemeClr val="accent1"/>
+          </a:lnRef>
+          <a:fillRef idx="0">
+            <a:schemeClr val="accent1"/>
+          </a:fillRef>
+          <a:effectRef idx="0">
+            <a:schemeClr val="accent1"/>
+          </a:effectRef>
+          <a:fontRef idx="minor">
+            <a:schemeClr val="tx1"/>
+          </a:fontRef>
+        </p:style>
+      </p:cxnSp>
+      <p:sp>
+        <p:nvSpPr>
+          <p:cNvPr id="21" name="TextBox 20">
+            <a:extLst>
+              <a:ext uri="{FF2B5EF4-FFF2-40B4-BE49-F238E27FC236}">
+                <a16:creationId xmlns:a16="http://schemas.microsoft.com/office/drawing/2014/main" id="{AD158C4F-5916-4EAB-B27E-1684757D3EB4}"/>
+              </a:ext>
+            </a:extLst>
+          </p:cNvPr>
+          <p:cNvSpPr txBox="1"/>
+          <p:nvPr/>
+        </p:nvSpPr>
+        <p:spPr>
+          <a:xfrm>
+            <a:off x="675651" y="2254414"/>
+            <a:ext cx="362671" cy="369332"/>
+          </a:xfrm>
+          <a:prstGeom prst="rect">
+            <a:avLst/>
+          </a:prstGeom>
+          <a:noFill/>
+        </p:spPr>
+        <p:txBody>
+          <a:bodyPr wrap="square" rtlCol="0">
+            <a:spAutoFit/>
+          </a:bodyPr>
+          <a:lstStyle/>
+          <a:p>
+            <a:r>
+              <a:rPr lang="en-US" altLang="ko-KR">
+                <a:solidFill>
+                  <a:schemeClr val="accent3"/>
+                </a:solidFill>
+              </a:rPr>
+              <a:t>3</a:t>
+            </a:r>
+            <a:endParaRPr lang="ko-KR" altLang="en-US">
+              <a:solidFill>
+                <a:schemeClr val="accent3"/>
+              </a:solidFill>
+            </a:endParaRPr>
+          </a:p>
+        </p:txBody>
+      </p:sp>
+      <p:sp>
+        <p:nvSpPr>
+          <p:cNvPr id="24" name="TextBox 23">
+            <a:extLst>
+              <a:ext uri="{FF2B5EF4-FFF2-40B4-BE49-F238E27FC236}">
+                <a16:creationId xmlns:a16="http://schemas.microsoft.com/office/drawing/2014/main" id="{36DC0ABD-C84B-40A6-A695-A62208C9B150}"/>
+              </a:ext>
+            </a:extLst>
+          </p:cNvPr>
+          <p:cNvSpPr txBox="1"/>
+          <p:nvPr/>
+        </p:nvSpPr>
+        <p:spPr>
+          <a:xfrm>
+            <a:off x="520920" y="2943225"/>
+            <a:ext cx="6184680" cy="923330"/>
+          </a:xfrm>
+          <a:prstGeom prst="rect">
+            <a:avLst/>
+          </a:prstGeom>
+          <a:noFill/>
+        </p:spPr>
+        <p:txBody>
+          <a:bodyPr wrap="square" rtlCol="0">
+            <a:spAutoFit/>
+          </a:bodyPr>
+          <a:lstStyle/>
+          <a:p>
+            <a:r>
+              <a:rPr lang="en-US" altLang="ko-KR"/>
+              <a:t>     pjok1122 </a:t>
+            </a:r>
+            <a:r>
+              <a:rPr lang="en-US" altLang="ko-KR">
+                <a:solidFill>
+                  <a:schemeClr val="accent3"/>
+                </a:solidFill>
+              </a:rPr>
+              <a:t>2020.2.2</a:t>
+            </a:r>
+          </a:p>
+          <a:p>
+            <a:endParaRPr lang="en-US" altLang="ko-KR"/>
+          </a:p>
+          <a:p>
+            <a:r>
+              <a:rPr lang="ko-KR" altLang="en-US"/>
+              <a:t>저도 여기 묵었는데</a:t>
+            </a:r>
+            <a:r>
+              <a:rPr lang="en-US" altLang="ko-KR"/>
+              <a:t>, </a:t>
+            </a:r>
+            <a:r>
+              <a:rPr lang="ko-KR" altLang="en-US"/>
+              <a:t>교통이 정말 편리하더라구요</a:t>
+            </a:r>
+            <a:r>
+              <a:rPr lang="en-US" altLang="ko-KR"/>
+              <a:t>.</a:t>
+            </a:r>
+            <a:endParaRPr lang="ko-KR" altLang="en-US"/>
+          </a:p>
+        </p:txBody>
+      </p:sp>
+      <p:pic>
+        <p:nvPicPr>
+          <p:cNvPr id="25" name="그림 24">
+            <a:extLst>
+              <a:ext uri="{FF2B5EF4-FFF2-40B4-BE49-F238E27FC236}">
+                <a16:creationId xmlns:a16="http://schemas.microsoft.com/office/drawing/2014/main" id="{B4371393-0610-4A70-9612-E378317E267F}"/>
+              </a:ext>
+            </a:extLst>
+          </p:cNvPr>
+          <p:cNvPicPr>
+            <a:picLocks noChangeAspect="1"/>
+          </p:cNvPicPr>
+          <p:nvPr/>
+        </p:nvPicPr>
+        <p:blipFill>
+          <a:blip r:embed="rId6"/>
+          <a:stretch>
+            <a:fillRect/>
+          </a:stretch>
+        </p:blipFill>
+        <p:spPr>
+          <a:xfrm>
+            <a:off x="520920" y="2966155"/>
+            <a:ext cx="429583" cy="383058"/>
+          </a:xfrm>
+          <a:prstGeom prst="rect">
+            <a:avLst/>
+          </a:prstGeom>
+        </p:spPr>
+      </p:pic>
+      <p:pic>
+        <p:nvPicPr>
+          <p:cNvPr id="26" name="그림 25">
+            <a:extLst>
+              <a:ext uri="{FF2B5EF4-FFF2-40B4-BE49-F238E27FC236}">
+                <a16:creationId xmlns:a16="http://schemas.microsoft.com/office/drawing/2014/main" id="{B89B0032-064C-46F2-BF24-C308A4060F1A}"/>
+              </a:ext>
+            </a:extLst>
+          </p:cNvPr>
+          <p:cNvPicPr>
+            <a:picLocks noChangeAspect="1"/>
+          </p:cNvPicPr>
+          <p:nvPr/>
+        </p:nvPicPr>
+        <p:blipFill>
+          <a:blip r:embed="rId4"/>
+          <a:stretch>
+            <a:fillRect/>
+          </a:stretch>
+        </p:blipFill>
+        <p:spPr>
+          <a:xfrm>
+            <a:off x="510771" y="3880318"/>
+            <a:ext cx="400050" cy="379575"/>
+          </a:xfrm>
+          <a:prstGeom prst="rect">
+            <a:avLst/>
+          </a:prstGeom>
+        </p:spPr>
+      </p:pic>
+      <p:sp>
+        <p:nvSpPr>
+          <p:cNvPr id="27" name="직사각형 26">
+            <a:extLst>
+              <a:ext uri="{FF2B5EF4-FFF2-40B4-BE49-F238E27FC236}">
+                <a16:creationId xmlns:a16="http://schemas.microsoft.com/office/drawing/2014/main" id="{0A351007-332F-4A39-BAA8-EA75252850E5}"/>
               </a:ext>
             </a:extLst>
           </p:cNvPr>
@@ -5679,15 +6989,18 @@
         </p:nvSpPr>
         <p:spPr>
           <a:xfrm>
-            <a:off x="1739317" y="2069259"/>
-            <a:ext cx="1115734" cy="441842"/>
-          </a:xfrm>
-          <a:prstGeom prst="ellipse">
+            <a:off x="454506" y="2894194"/>
+            <a:ext cx="6251094" cy="923313"/>
+          </a:xfrm>
+          <a:prstGeom prst="rect">
             <a:avLst/>
           </a:prstGeom>
-          <a:solidFill>
-            <a:schemeClr val="tx1"/>
-          </a:solidFill>
+          <a:noFill/>
+          <a:ln w="19050">
+            <a:solidFill>
+              <a:schemeClr val="accent1"/>
+            </a:solidFill>
+          </a:ln>
         </p:spPr>
         <p:style>
           <a:lnRef idx="2">
@@ -5710,23 +7023,202 @@
           <a:lstStyle/>
           <a:p>
             <a:pPr algn="ctr"/>
+            <a:endParaRPr lang="ko-KR" altLang="en-US"/>
+          </a:p>
+        </p:txBody>
+      </p:sp>
+      <p:sp>
+        <p:nvSpPr>
+          <p:cNvPr id="28" name="TextBox 27">
+            <a:extLst>
+              <a:ext uri="{FF2B5EF4-FFF2-40B4-BE49-F238E27FC236}">
+                <a16:creationId xmlns:a16="http://schemas.microsoft.com/office/drawing/2014/main" id="{E70B19AD-C539-4588-801D-8642BB60344A}"/>
+              </a:ext>
+            </a:extLst>
+          </p:cNvPr>
+          <p:cNvSpPr txBox="1"/>
+          <p:nvPr/>
+        </p:nvSpPr>
+        <p:spPr>
+          <a:xfrm>
+            <a:off x="950503" y="3890561"/>
+            <a:ext cx="1198549" cy="369332"/>
+          </a:xfrm>
+          <a:prstGeom prst="rect">
+            <a:avLst/>
+          </a:prstGeom>
+          <a:noFill/>
+        </p:spPr>
+        <p:txBody>
+          <a:bodyPr wrap="square" rtlCol="0">
+            <a:spAutoFit/>
+          </a:bodyPr>
+          <a:lstStyle/>
+          <a:p>
             <a:r>
               <a:rPr lang="ko-KR" altLang="en-US">
                 <a:solidFill>
-                  <a:schemeClr val="bg1"/>
-                </a:solidFill>
-              </a:rPr>
-              <a:t>대만</a:t>
-            </a:r>
-          </a:p>
-        </p:txBody>
-      </p:sp>
-      <p:sp>
-        <p:nvSpPr>
-          <p:cNvPr id="39" name="타원 38">
-            <a:extLst>
-              <a:ext uri="{FF2B5EF4-FFF2-40B4-BE49-F238E27FC236}">
-                <a16:creationId xmlns:a16="http://schemas.microsoft.com/office/drawing/2014/main" id="{081E4407-0D16-41AC-9095-4E907A0B233C}"/>
+                  <a:schemeClr val="accent3"/>
+                </a:solidFill>
+              </a:rPr>
+              <a:t>댓글달기</a:t>
+            </a:r>
+          </a:p>
+        </p:txBody>
+      </p:sp>
+      <p:pic>
+        <p:nvPicPr>
+          <p:cNvPr id="29" name="그림 28">
+            <a:extLst>
+              <a:ext uri="{FF2B5EF4-FFF2-40B4-BE49-F238E27FC236}">
+                <a16:creationId xmlns:a16="http://schemas.microsoft.com/office/drawing/2014/main" id="{E4D3707A-584C-48A8-8D4F-2A94AF8F69F0}"/>
+              </a:ext>
+            </a:extLst>
+          </p:cNvPr>
+          <p:cNvPicPr>
+            <a:picLocks noChangeAspect="1"/>
+          </p:cNvPicPr>
+          <p:nvPr/>
+        </p:nvPicPr>
+        <p:blipFill>
+          <a:blip r:embed="rId3"/>
+          <a:stretch>
+            <a:fillRect/>
+          </a:stretch>
+        </p:blipFill>
+        <p:spPr>
+          <a:xfrm>
+            <a:off x="1428223" y="5202040"/>
+            <a:ext cx="460565" cy="406753"/>
+          </a:xfrm>
+          <a:prstGeom prst="rect">
+            <a:avLst/>
+          </a:prstGeom>
+        </p:spPr>
+      </p:pic>
+      <p:sp>
+        <p:nvSpPr>
+          <p:cNvPr id="30" name="TextBox 29">
+            <a:extLst>
+              <a:ext uri="{FF2B5EF4-FFF2-40B4-BE49-F238E27FC236}">
+                <a16:creationId xmlns:a16="http://schemas.microsoft.com/office/drawing/2014/main" id="{0F8E8878-D4FE-4EB2-B502-14B34DF77583}"/>
+              </a:ext>
+            </a:extLst>
+          </p:cNvPr>
+          <p:cNvSpPr txBox="1"/>
+          <p:nvPr/>
+        </p:nvSpPr>
+        <p:spPr>
+          <a:xfrm>
+            <a:off x="1038322" y="4296684"/>
+            <a:ext cx="6184680" cy="923330"/>
+          </a:xfrm>
+          <a:prstGeom prst="rect">
+            <a:avLst/>
+          </a:prstGeom>
+          <a:noFill/>
+        </p:spPr>
+        <p:txBody>
+          <a:bodyPr wrap="square" rtlCol="0">
+            <a:spAutoFit/>
+          </a:bodyPr>
+          <a:lstStyle/>
+          <a:p>
+            <a:r>
+              <a:rPr lang="en-US" altLang="ko-KR"/>
+              <a:t>     yjhn0715 </a:t>
+            </a:r>
+            <a:r>
+              <a:rPr lang="en-US" altLang="ko-KR">
+                <a:solidFill>
+                  <a:schemeClr val="accent3"/>
+                </a:solidFill>
+              </a:rPr>
+              <a:t>2020.2.2</a:t>
+            </a:r>
+          </a:p>
+          <a:p>
+            <a:endParaRPr lang="en-US" altLang="ko-KR"/>
+          </a:p>
+          <a:p>
+            <a:r>
+              <a:rPr lang="ko-KR" altLang="en-US"/>
+              <a:t>좋은 의견 감사합니다</a:t>
+            </a:r>
+            <a:r>
+              <a:rPr lang="en-US" altLang="ko-KR"/>
+              <a:t>.</a:t>
+            </a:r>
+            <a:endParaRPr lang="ko-KR" altLang="en-US"/>
+          </a:p>
+        </p:txBody>
+      </p:sp>
+      <p:pic>
+        <p:nvPicPr>
+          <p:cNvPr id="31" name="그림 30">
+            <a:extLst>
+              <a:ext uri="{FF2B5EF4-FFF2-40B4-BE49-F238E27FC236}">
+                <a16:creationId xmlns:a16="http://schemas.microsoft.com/office/drawing/2014/main" id="{665EA0C0-9189-400C-9190-DDDB28C18B86}"/>
+              </a:ext>
+            </a:extLst>
+          </p:cNvPr>
+          <p:cNvPicPr>
+            <a:picLocks noChangeAspect="1"/>
+          </p:cNvPicPr>
+          <p:nvPr/>
+        </p:nvPicPr>
+        <p:blipFill>
+          <a:blip r:embed="rId6"/>
+          <a:stretch>
+            <a:fillRect/>
+          </a:stretch>
+        </p:blipFill>
+        <p:spPr>
+          <a:xfrm>
+            <a:off x="1038322" y="4319614"/>
+            <a:ext cx="429583" cy="383058"/>
+          </a:xfrm>
+          <a:prstGeom prst="rect">
+            <a:avLst/>
+          </a:prstGeom>
+        </p:spPr>
+      </p:pic>
+      <p:pic>
+        <p:nvPicPr>
+          <p:cNvPr id="32" name="그림 31">
+            <a:extLst>
+              <a:ext uri="{FF2B5EF4-FFF2-40B4-BE49-F238E27FC236}">
+                <a16:creationId xmlns:a16="http://schemas.microsoft.com/office/drawing/2014/main" id="{5B8DA728-8893-48DB-8B59-15F0ED62C9FF}"/>
+              </a:ext>
+            </a:extLst>
+          </p:cNvPr>
+          <p:cNvPicPr>
+            <a:picLocks noChangeAspect="1"/>
+          </p:cNvPicPr>
+          <p:nvPr/>
+        </p:nvPicPr>
+        <p:blipFill>
+          <a:blip r:embed="rId4"/>
+          <a:stretch>
+            <a:fillRect/>
+          </a:stretch>
+        </p:blipFill>
+        <p:spPr>
+          <a:xfrm>
+            <a:off x="1028173" y="5233777"/>
+            <a:ext cx="400050" cy="379575"/>
+          </a:xfrm>
+          <a:prstGeom prst="rect">
+            <a:avLst/>
+          </a:prstGeom>
+        </p:spPr>
+      </p:pic>
+      <p:sp>
+        <p:nvSpPr>
+          <p:cNvPr id="33" name="직사각형 32">
+            <a:extLst>
+              <a:ext uri="{FF2B5EF4-FFF2-40B4-BE49-F238E27FC236}">
+                <a16:creationId xmlns:a16="http://schemas.microsoft.com/office/drawing/2014/main" id="{4A0E7DB2-3E58-4AF3-81C3-D611C81578FC}"/>
               </a:ext>
             </a:extLst>
           </p:cNvPr>
@@ -5735,15 +7227,18 @@
         </p:nvSpPr>
         <p:spPr>
           <a:xfrm>
-            <a:off x="3101129" y="2069259"/>
-            <a:ext cx="1115734" cy="441842"/>
-          </a:xfrm>
-          <a:prstGeom prst="ellipse">
+            <a:off x="971908" y="4247653"/>
+            <a:ext cx="6184680" cy="923313"/>
+          </a:xfrm>
+          <a:prstGeom prst="rect">
             <a:avLst/>
           </a:prstGeom>
-          <a:solidFill>
-            <a:schemeClr val="bg1"/>
-          </a:solidFill>
+          <a:noFill/>
+          <a:ln w="19050">
+            <a:solidFill>
+              <a:schemeClr val="accent1"/>
+            </a:solidFill>
+          </a:ln>
         </p:spPr>
         <p:style>
           <a:lnRef idx="2">
@@ -5766,23 +7261,16 @@
           <a:lstStyle/>
           <a:p>
             <a:pPr algn="ctr"/>
-            <a:r>
-              <a:rPr lang="ko-KR" altLang="en-US">
-                <a:solidFill>
-                  <a:schemeClr val="tx1"/>
-                </a:solidFill>
-              </a:rPr>
-              <a:t>일본</a:t>
-            </a:r>
-          </a:p>
-        </p:txBody>
-      </p:sp>
-      <p:sp>
-        <p:nvSpPr>
-          <p:cNvPr id="40" name="타원 39">
-            <a:extLst>
-              <a:ext uri="{FF2B5EF4-FFF2-40B4-BE49-F238E27FC236}">
-                <a16:creationId xmlns:a16="http://schemas.microsoft.com/office/drawing/2014/main" id="{00D731A8-7AEB-4E2F-994C-59238E495378}"/>
+            <a:endParaRPr lang="ko-KR" altLang="en-US"/>
+          </a:p>
+        </p:txBody>
+      </p:sp>
+      <p:sp>
+        <p:nvSpPr>
+          <p:cNvPr id="37" name="사각형: 둥근 모서리 36">
+            <a:extLst>
+              <a:ext uri="{FF2B5EF4-FFF2-40B4-BE49-F238E27FC236}">
+                <a16:creationId xmlns:a16="http://schemas.microsoft.com/office/drawing/2014/main" id="{1E555110-7A6E-4C48-BB88-6A54F6E7A23E}"/>
               </a:ext>
             </a:extLst>
           </p:cNvPr>
@@ -5791,15 +7279,12 @@
         </p:nvSpPr>
         <p:spPr>
           <a:xfrm>
-            <a:off x="4460142" y="2069259"/>
-            <a:ext cx="1115734" cy="441842"/>
-          </a:xfrm>
-          <a:prstGeom prst="ellipse">
+            <a:off x="3509454" y="4358550"/>
+            <a:ext cx="704850" cy="252749"/>
+          </a:xfrm>
+          <a:prstGeom prst="roundRect">
             <a:avLst/>
           </a:prstGeom>
-          <a:solidFill>
-            <a:schemeClr val="bg1"/>
-          </a:solidFill>
         </p:spPr>
         <p:style>
           <a:lnRef idx="2">
@@ -5823,22 +7308,18 @@
           <a:p>
             <a:pPr algn="ctr"/>
             <a:r>
-              <a:rPr lang="ko-KR" altLang="en-US">
-                <a:solidFill>
-                  <a:schemeClr val="tx1"/>
-                </a:solidFill>
-              </a:rPr>
-              <a:t>중국</a:t>
-            </a:r>
-          </a:p>
-        </p:txBody>
-      </p:sp>
-      <p:sp>
-        <p:nvSpPr>
-          <p:cNvPr id="41" name="타원 40">
-            <a:extLst>
-              <a:ext uri="{FF2B5EF4-FFF2-40B4-BE49-F238E27FC236}">
-                <a16:creationId xmlns:a16="http://schemas.microsoft.com/office/drawing/2014/main" id="{0DABEA91-0D42-4273-8C07-15C397D9BC01}"/>
+              <a:rPr lang="ko-KR" altLang="en-US" sz="1100"/>
+              <a:t>글쓴이</a:t>
+            </a:r>
+          </a:p>
+        </p:txBody>
+      </p:sp>
+      <p:sp>
+        <p:nvSpPr>
+          <p:cNvPr id="38" name="직사각형 37">
+            <a:extLst>
+              <a:ext uri="{FF2B5EF4-FFF2-40B4-BE49-F238E27FC236}">
+                <a16:creationId xmlns:a16="http://schemas.microsoft.com/office/drawing/2014/main" id="{C1896D87-E187-4515-BCE5-D04800951BC1}"/>
               </a:ext>
             </a:extLst>
           </p:cNvPr>
@@ -5847,15 +7328,13 @@
         </p:nvSpPr>
         <p:spPr>
           <a:xfrm>
-            <a:off x="5807963" y="2069259"/>
-            <a:ext cx="1115734" cy="441842"/>
-          </a:xfrm>
-          <a:prstGeom prst="ellipse">
+            <a:off x="454506" y="5896777"/>
+            <a:ext cx="6527319" cy="571218"/>
+          </a:xfrm>
+          <a:prstGeom prst="rect">
             <a:avLst/>
           </a:prstGeom>
-          <a:solidFill>
-            <a:schemeClr val="bg1"/>
-          </a:solidFill>
+          <a:noFill/>
         </p:spPr>
         <p:style>
           <a:lnRef idx="2">
@@ -5884,98 +7363,126 @@
                   <a:schemeClr val="tx1"/>
                 </a:solidFill>
               </a:rPr>
-              <a:t>태국</a:t>
-            </a:r>
-          </a:p>
-        </p:txBody>
-      </p:sp>
-      <p:sp>
-        <p:nvSpPr>
-          <p:cNvPr id="42" name="TextBox 41">
-            <a:extLst>
-              <a:ext uri="{FF2B5EF4-FFF2-40B4-BE49-F238E27FC236}">
-                <a16:creationId xmlns:a16="http://schemas.microsoft.com/office/drawing/2014/main" id="{AC0F79C8-2FE0-4AB9-BDD2-AD2CE1C7EFDE}"/>
-              </a:ext>
-            </a:extLst>
-          </p:cNvPr>
-          <p:cNvSpPr txBox="1"/>
+              <a:t>댓글 에디터</a:t>
+            </a:r>
+          </a:p>
+        </p:txBody>
+      </p:sp>
+      <p:pic>
+        <p:nvPicPr>
+          <p:cNvPr id="39" name="그림 38">
+            <a:extLst>
+              <a:ext uri="{FF2B5EF4-FFF2-40B4-BE49-F238E27FC236}">
+                <a16:creationId xmlns:a16="http://schemas.microsoft.com/office/drawing/2014/main" id="{CADEA29B-7196-4FF9-B369-5C613E491158}"/>
+              </a:ext>
+            </a:extLst>
+          </p:cNvPr>
+          <p:cNvPicPr>
+            <a:picLocks noChangeAspect="1"/>
+          </p:cNvPicPr>
           <p:nvPr/>
-        </p:nvSpPr>
-        <p:spPr>
-          <a:xfrm>
-            <a:off x="276834" y="267800"/>
-            <a:ext cx="2432809" cy="369332"/>
+        </p:nvPicPr>
+        <p:blipFill>
+          <a:blip r:embed="rId7"/>
+          <a:stretch>
+            <a:fillRect/>
+          </a:stretch>
+        </p:blipFill>
+        <p:spPr>
+          <a:xfrm flipH="1">
+            <a:off x="502533" y="4441810"/>
+            <a:ext cx="406542" cy="374019"/>
           </a:xfrm>
           <a:prstGeom prst="rect">
             <a:avLst/>
           </a:prstGeom>
-          <a:noFill/>
-          <a:ln>
-            <a:noFill/>
-          </a:ln>
-        </p:spPr>
-        <p:txBody>
-          <a:bodyPr wrap="square" rtlCol="0">
-            <a:spAutoFit/>
-          </a:bodyPr>
-          <a:lstStyle/>
-          <a:p>
-            <a:r>
-              <a:rPr lang="ko-KR" altLang="en-US"/>
-              <a:t>아시아 여행 커뮤니티</a:t>
-            </a:r>
-            <a:endParaRPr lang="en-US" altLang="ko-KR"/>
-          </a:p>
-        </p:txBody>
-      </p:sp>
-      <p:sp>
-        <p:nvSpPr>
-          <p:cNvPr id="43" name="TextBox 42">
-            <a:extLst>
-              <a:ext uri="{FF2B5EF4-FFF2-40B4-BE49-F238E27FC236}">
-                <a16:creationId xmlns:a16="http://schemas.microsoft.com/office/drawing/2014/main" id="{D905F30E-C2D1-42D0-9756-82A5E2D843B0}"/>
-              </a:ext>
-            </a:extLst>
-          </p:cNvPr>
-          <p:cNvSpPr txBox="1"/>
+        </p:spPr>
+      </p:pic>
+    </p:spTree>
+    <p:extLst>
+      <p:ext uri="{BB962C8B-B14F-4D97-AF65-F5344CB8AC3E}">
+        <p14:creationId xmlns:p14="http://schemas.microsoft.com/office/powerpoint/2010/main" val="3533345493"/>
+      </p:ext>
+    </p:extLst>
+  </p:cSld>
+  <p:clrMapOvr>
+    <a:masterClrMapping/>
+  </p:clrMapOvr>
+</p:sld>
+</file>
+
+<file path=ppt/slides/slide4.xml><?xml version="1.0" encoding="utf-8"?>
+<p:sld xmlns:a="http://schemas.openxmlformats.org/drawingml/2006/main" xmlns:r="http://schemas.openxmlformats.org/officeDocument/2006/relationships" xmlns:p="http://schemas.openxmlformats.org/presentationml/2006/main">
+  <p:cSld>
+    <p:spTree>
+      <p:nvGrpSpPr>
+        <p:cNvPr id="1" name=""/>
+        <p:cNvGrpSpPr/>
+        <p:nvPr/>
+      </p:nvGrpSpPr>
+      <p:grpSpPr>
+        <a:xfrm>
+          <a:off x="0" y="0"/>
+          <a:ext cx="0" cy="0"/>
+          <a:chOff x="0" y="0"/>
+          <a:chExt cx="0" cy="0"/>
+        </a:xfrm>
+      </p:grpSpPr>
+      <p:sp>
+        <p:nvSpPr>
+          <p:cNvPr id="4" name="직사각형 3">
+            <a:extLst>
+              <a:ext uri="{FF2B5EF4-FFF2-40B4-BE49-F238E27FC236}">
+                <a16:creationId xmlns:a16="http://schemas.microsoft.com/office/drawing/2014/main" id="{BC6AC51C-68B6-42E1-ACF0-81BB4CAA9C2E}"/>
+              </a:ext>
+            </a:extLst>
+          </p:cNvPr>
+          <p:cNvSpPr/>
           <p:nvPr/>
         </p:nvSpPr>
         <p:spPr>
           <a:xfrm>
-            <a:off x="3707230" y="782612"/>
-            <a:ext cx="1249960" cy="369332"/>
+            <a:off x="195039" y="207077"/>
+            <a:ext cx="7024382" cy="6363741"/>
           </a:xfrm>
           <a:prstGeom prst="rect">
             <a:avLst/>
           </a:prstGeom>
-          <a:noFill/>
-          <a:ln>
-            <a:solidFill>
-              <a:schemeClr val="tx1"/>
-            </a:solidFill>
-          </a:ln>
-        </p:spPr>
-        <p:txBody>
-          <a:bodyPr wrap="square" rtlCol="0">
-            <a:spAutoFit/>
-          </a:bodyPr>
+          <a:solidFill>
+            <a:schemeClr val="bg1"/>
+          </a:solidFill>
+        </p:spPr>
+        <p:style>
+          <a:lnRef idx="2">
+            <a:schemeClr val="accent1">
+              <a:shade val="50000"/>
+            </a:schemeClr>
+          </a:lnRef>
+          <a:fillRef idx="1">
+            <a:schemeClr val="accent1"/>
+          </a:fillRef>
+          <a:effectRef idx="0">
+            <a:schemeClr val="accent1"/>
+          </a:effectRef>
+          <a:fontRef idx="minor">
+            <a:schemeClr val="lt1"/>
+          </a:fontRef>
+        </p:style>
+        <p:txBody>
+          <a:bodyPr rtlCol="0" anchor="ctr"/>
           <a:lstStyle/>
           <a:p>
             <a:pPr algn="ctr"/>
-            <a:r>
-              <a:rPr lang="ko-KR" altLang="en-US"/>
-              <a:t>축제 정보</a:t>
-            </a:r>
-            <a:endParaRPr lang="en-US" altLang="ko-KR"/>
-          </a:p>
-        </p:txBody>
-      </p:sp>
-      <p:sp>
-        <p:nvSpPr>
-          <p:cNvPr id="44" name="TextBox 43">
-            <a:extLst>
-              <a:ext uri="{FF2B5EF4-FFF2-40B4-BE49-F238E27FC236}">
-                <a16:creationId xmlns:a16="http://schemas.microsoft.com/office/drawing/2014/main" id="{3BD5466A-EC1C-4C08-B4FB-166AE6836632}"/>
+            <a:endParaRPr lang="ko-KR" altLang="en-US"/>
+          </a:p>
+        </p:txBody>
+      </p:sp>
+      <p:sp>
+        <p:nvSpPr>
+          <p:cNvPr id="5" name="TextBox 4">
+            <a:extLst>
+              <a:ext uri="{FF2B5EF4-FFF2-40B4-BE49-F238E27FC236}">
+                <a16:creationId xmlns:a16="http://schemas.microsoft.com/office/drawing/2014/main" id="{E6F0AF76-C350-4152-96BC-13A04F4E66E9}"/>
               </a:ext>
             </a:extLst>
           </p:cNvPr>
@@ -5984,7 +7491,7 @@
         </p:nvSpPr>
         <p:spPr>
           <a:xfrm>
-            <a:off x="5740850" y="287182"/>
+            <a:off x="721454" y="782612"/>
             <a:ext cx="1249960" cy="369332"/>
           </a:xfrm>
           <a:prstGeom prst="rect">
@@ -6005,14 +7512,13 @@
           </a:bodyPr>
           <a:lstStyle/>
           <a:p>
-            <a:pPr algn="ctr"/>
             <a:r>
               <a:rPr lang="ko-KR" altLang="en-US">
                 <a:solidFill>
                   <a:schemeClr val="bg1"/>
                 </a:solidFill>
               </a:rPr>
-              <a:t>로그인</a:t>
+              <a:t>숙박 정보</a:t>
             </a:r>
             <a:endParaRPr lang="en-US" altLang="ko-KR">
               <a:solidFill>
@@ -6024,10 +7530,10 @@
       </p:sp>
       <p:sp>
         <p:nvSpPr>
-          <p:cNvPr id="2" name="TextBox 1">
-            <a:extLst>
-              <a:ext uri="{FF2B5EF4-FFF2-40B4-BE49-F238E27FC236}">
-                <a16:creationId xmlns:a16="http://schemas.microsoft.com/office/drawing/2014/main" id="{4FECA88E-1894-41FB-BAD2-6C51019D8C8A}"/>
+          <p:cNvPr id="6" name="TextBox 5">
+            <a:extLst>
+              <a:ext uri="{FF2B5EF4-FFF2-40B4-BE49-F238E27FC236}">
+                <a16:creationId xmlns:a16="http://schemas.microsoft.com/office/drawing/2014/main" id="{832A55CB-FDD8-445B-8258-0C44B1DF851B}"/>
               </a:ext>
             </a:extLst>
           </p:cNvPr>
@@ -6036,13 +7542,18 @@
         </p:nvSpPr>
         <p:spPr>
           <a:xfrm>
-            <a:off x="377504" y="2718033"/>
-            <a:ext cx="3329725" cy="1123384"/>
+            <a:off x="2214693" y="782612"/>
+            <a:ext cx="1249960" cy="369332"/>
           </a:xfrm>
           <a:prstGeom prst="rect">
             <a:avLst/>
           </a:prstGeom>
           <a:noFill/>
+          <a:ln>
+            <a:solidFill>
+              <a:schemeClr val="tx1"/>
+            </a:solidFill>
+          </a:ln>
         </p:spPr>
         <p:txBody>
           <a:bodyPr wrap="square" rtlCol="0">
@@ -6050,6 +7561,218 @@
           </a:bodyPr>
           <a:lstStyle/>
           <a:p>
+            <a:pPr algn="ctr"/>
+            <a:r>
+              <a:rPr lang="ko-KR" altLang="en-US"/>
+              <a:t>맛집</a:t>
+            </a:r>
+            <a:endParaRPr lang="en-US" altLang="ko-KR"/>
+          </a:p>
+        </p:txBody>
+      </p:sp>
+      <p:sp>
+        <p:nvSpPr>
+          <p:cNvPr id="7" name="TextBox 6">
+            <a:extLst>
+              <a:ext uri="{FF2B5EF4-FFF2-40B4-BE49-F238E27FC236}">
+                <a16:creationId xmlns:a16="http://schemas.microsoft.com/office/drawing/2014/main" id="{F97AA72C-9A33-4CF2-8C9E-F1F4F84F9CA2}"/>
+              </a:ext>
+            </a:extLst>
+          </p:cNvPr>
+          <p:cNvSpPr txBox="1"/>
+          <p:nvPr/>
+        </p:nvSpPr>
+        <p:spPr>
+          <a:xfrm>
+            <a:off x="5189989" y="785048"/>
+            <a:ext cx="1249960" cy="369332"/>
+          </a:xfrm>
+          <a:prstGeom prst="rect">
+            <a:avLst/>
+          </a:prstGeom>
+          <a:noFill/>
+          <a:ln>
+            <a:solidFill>
+              <a:schemeClr val="tx1"/>
+            </a:solidFill>
+          </a:ln>
+        </p:spPr>
+        <p:txBody>
+          <a:bodyPr wrap="square" rtlCol="0">
+            <a:spAutoFit/>
+          </a:bodyPr>
+          <a:lstStyle/>
+          <a:p>
+            <a:pPr algn="ctr"/>
+            <a:r>
+              <a:rPr lang="ko-KR" altLang="en-US"/>
+              <a:t>관광지</a:t>
+            </a:r>
+            <a:endParaRPr lang="en-US" altLang="ko-KR"/>
+          </a:p>
+        </p:txBody>
+      </p:sp>
+      <p:sp>
+        <p:nvSpPr>
+          <p:cNvPr id="8" name="TextBox 7">
+            <a:extLst>
+              <a:ext uri="{FF2B5EF4-FFF2-40B4-BE49-F238E27FC236}">
+                <a16:creationId xmlns:a16="http://schemas.microsoft.com/office/drawing/2014/main" id="{13628A7A-3DAF-4BEF-938E-4DF2C8DB2165}"/>
+              </a:ext>
+            </a:extLst>
+          </p:cNvPr>
+          <p:cNvSpPr txBox="1"/>
+          <p:nvPr/>
+        </p:nvSpPr>
+        <p:spPr>
+          <a:xfrm>
+            <a:off x="276834" y="267800"/>
+            <a:ext cx="2432809" cy="369332"/>
+          </a:xfrm>
+          <a:prstGeom prst="rect">
+            <a:avLst/>
+          </a:prstGeom>
+          <a:noFill/>
+          <a:ln>
+            <a:noFill/>
+          </a:ln>
+        </p:spPr>
+        <p:txBody>
+          <a:bodyPr wrap="square" rtlCol="0">
+            <a:spAutoFit/>
+          </a:bodyPr>
+          <a:lstStyle/>
+          <a:p>
+            <a:r>
+              <a:rPr lang="ko-KR" altLang="en-US"/>
+              <a:t>아시아 여행 커뮤니티</a:t>
+            </a:r>
+            <a:endParaRPr lang="en-US" altLang="ko-KR"/>
+          </a:p>
+        </p:txBody>
+      </p:sp>
+      <p:sp>
+        <p:nvSpPr>
+          <p:cNvPr id="9" name="TextBox 8">
+            <a:extLst>
+              <a:ext uri="{FF2B5EF4-FFF2-40B4-BE49-F238E27FC236}">
+                <a16:creationId xmlns:a16="http://schemas.microsoft.com/office/drawing/2014/main" id="{27A8022D-ADEE-4C4D-B4F5-F60EAF8D78C6}"/>
+              </a:ext>
+            </a:extLst>
+          </p:cNvPr>
+          <p:cNvSpPr txBox="1"/>
+          <p:nvPr/>
+        </p:nvSpPr>
+        <p:spPr>
+          <a:xfrm>
+            <a:off x="3707230" y="782612"/>
+            <a:ext cx="1249960" cy="369332"/>
+          </a:xfrm>
+          <a:prstGeom prst="rect">
+            <a:avLst/>
+          </a:prstGeom>
+          <a:noFill/>
+          <a:ln>
+            <a:solidFill>
+              <a:schemeClr val="tx1"/>
+            </a:solidFill>
+          </a:ln>
+        </p:spPr>
+        <p:txBody>
+          <a:bodyPr wrap="square" rtlCol="0">
+            <a:spAutoFit/>
+          </a:bodyPr>
+          <a:lstStyle/>
+          <a:p>
+            <a:pPr algn="ctr"/>
+            <a:r>
+              <a:rPr lang="ko-KR" altLang="en-US"/>
+              <a:t>축제 정보</a:t>
+            </a:r>
+            <a:endParaRPr lang="en-US" altLang="ko-KR"/>
+          </a:p>
+        </p:txBody>
+      </p:sp>
+      <p:sp>
+        <p:nvSpPr>
+          <p:cNvPr id="10" name="TextBox 9">
+            <a:extLst>
+              <a:ext uri="{FF2B5EF4-FFF2-40B4-BE49-F238E27FC236}">
+                <a16:creationId xmlns:a16="http://schemas.microsoft.com/office/drawing/2014/main" id="{68A2C0AF-9A07-4D08-BD7E-022AFBB760A6}"/>
+              </a:ext>
+            </a:extLst>
+          </p:cNvPr>
+          <p:cNvSpPr txBox="1"/>
+          <p:nvPr/>
+        </p:nvSpPr>
+        <p:spPr>
+          <a:xfrm>
+            <a:off x="5740850" y="287182"/>
+            <a:ext cx="1249960" cy="369332"/>
+          </a:xfrm>
+          <a:prstGeom prst="rect">
+            <a:avLst/>
+          </a:prstGeom>
+          <a:solidFill>
+            <a:schemeClr val="tx1"/>
+          </a:solidFill>
+          <a:ln>
+            <a:solidFill>
+              <a:schemeClr val="tx1"/>
+            </a:solidFill>
+          </a:ln>
+        </p:spPr>
+        <p:txBody>
+          <a:bodyPr wrap="square" rtlCol="0">
+            <a:spAutoFit/>
+          </a:bodyPr>
+          <a:lstStyle/>
+          <a:p>
+            <a:pPr algn="ctr"/>
+            <a:r>
+              <a:rPr lang="ko-KR" altLang="en-US">
+                <a:solidFill>
+                  <a:schemeClr val="bg1"/>
+                </a:solidFill>
+              </a:rPr>
+              <a:t>로그인</a:t>
+            </a:r>
+            <a:endParaRPr lang="en-US" altLang="ko-KR">
+              <a:solidFill>
+                <a:schemeClr val="bg1"/>
+              </a:solidFill>
+            </a:endParaRPr>
+          </a:p>
+        </p:txBody>
+      </p:sp>
+      <p:sp>
+        <p:nvSpPr>
+          <p:cNvPr id="11" name="TextBox 10">
+            <a:extLst>
+              <a:ext uri="{FF2B5EF4-FFF2-40B4-BE49-F238E27FC236}">
+                <a16:creationId xmlns:a16="http://schemas.microsoft.com/office/drawing/2014/main" id="{6EC5E227-24B4-46EA-B0D5-CC01157C04B7}"/>
+              </a:ext>
+            </a:extLst>
+          </p:cNvPr>
+          <p:cNvSpPr txBox="1"/>
+          <p:nvPr/>
+        </p:nvSpPr>
+        <p:spPr>
+          <a:xfrm>
+            <a:off x="421550" y="1810650"/>
+            <a:ext cx="6613306" cy="723275"/>
+          </a:xfrm>
+          <a:prstGeom prst="rect">
+            <a:avLst/>
+          </a:prstGeom>
+          <a:noFill/>
+        </p:spPr>
+        <p:txBody>
+          <a:bodyPr wrap="square" rtlCol="0">
+            <a:spAutoFit/>
+          </a:bodyPr>
+          <a:lstStyle/>
+          <a:p>
             <a:r>
               <a:rPr lang="en-US" altLang="ko-KR" sz="1200">
                 <a:solidFill>
@@ -6064,7 +7787,7 @@
                   <a:srgbClr val="FF0000"/>
                 </a:solidFill>
               </a:rPr>
-              <a:t>대만</a:t>
+              <a:t>국가</a:t>
             </a:r>
             <a:r>
               <a:rPr lang="en-US" altLang="ko-KR" sz="1200">
@@ -6072,56 +7795,368 @@
                   <a:srgbClr val="FF0000"/>
                 </a:solidFill>
               </a:rPr>
-              <a:t>]</a:t>
-            </a:r>
-          </a:p>
-          <a:p>
-            <a:endParaRPr lang="en-US" altLang="ko-KR" sz="800">
+              <a:t>] v</a:t>
+            </a:r>
+          </a:p>
+          <a:p>
+            <a:endParaRPr lang="en-US" altLang="ko-KR" sz="1100"/>
+          </a:p>
+          <a:p>
+            <a:r>
+              <a:rPr lang="ko-KR" altLang="en-US">
+                <a:solidFill>
+                  <a:schemeClr val="accent3"/>
+                </a:solidFill>
+              </a:rPr>
+              <a:t>예시</a:t>
+            </a:r>
+            <a:r>
+              <a:rPr lang="en-US" altLang="ko-KR">
+                <a:solidFill>
+                  <a:schemeClr val="accent3"/>
+                </a:solidFill>
+              </a:rPr>
+              <a:t>) [</a:t>
+            </a:r>
+            <a:r>
+              <a:rPr lang="ko-KR" altLang="en-US">
+                <a:solidFill>
+                  <a:schemeClr val="accent3"/>
+                </a:solidFill>
+              </a:rPr>
+              <a:t>타이베이</a:t>
+            </a:r>
+            <a:r>
+              <a:rPr lang="en-US" altLang="ko-KR">
+                <a:solidFill>
+                  <a:schemeClr val="accent3"/>
+                </a:solidFill>
+              </a:rPr>
+              <a:t>] </a:t>
+            </a:r>
+            <a:r>
+              <a:rPr lang="ko-KR" altLang="en-US">
+                <a:solidFill>
+                  <a:schemeClr val="accent3"/>
+                </a:solidFill>
+              </a:rPr>
+              <a:t>코 슬립 한커우</a:t>
+            </a:r>
+            <a:endParaRPr lang="en-US" altLang="ko-KR">
+              <a:solidFill>
+                <a:schemeClr val="accent3"/>
+              </a:solidFill>
+            </a:endParaRPr>
+          </a:p>
+        </p:txBody>
+      </p:sp>
+      <p:sp>
+        <p:nvSpPr>
+          <p:cNvPr id="12" name="TextBox 11">
+            <a:extLst>
+              <a:ext uri="{FF2B5EF4-FFF2-40B4-BE49-F238E27FC236}">
+                <a16:creationId xmlns:a16="http://schemas.microsoft.com/office/drawing/2014/main" id="{D23DF66B-13AF-4F23-AEB6-78EE151715E5}"/>
+              </a:ext>
+            </a:extLst>
+          </p:cNvPr>
+          <p:cNvSpPr txBox="1"/>
+          <p:nvPr/>
+        </p:nvSpPr>
+        <p:spPr>
+          <a:xfrm>
+            <a:off x="146805" y="-514350"/>
+            <a:ext cx="2443995" cy="369332"/>
+          </a:xfrm>
+          <a:prstGeom prst="rect">
+            <a:avLst/>
+          </a:prstGeom>
+          <a:noFill/>
+        </p:spPr>
+        <p:txBody>
+          <a:bodyPr wrap="square" rtlCol="0">
+            <a:spAutoFit/>
+          </a:bodyPr>
+          <a:lstStyle/>
+          <a:p>
+            <a:r>
+              <a:rPr lang="ko-KR" altLang="en-US"/>
+              <a:t>글 쓰기</a:t>
+            </a:r>
+            <a:r>
+              <a:rPr lang="en-US" altLang="ko-KR"/>
+              <a:t>(</a:t>
+            </a:r>
+            <a:r>
+              <a:rPr lang="ko-KR" altLang="en-US"/>
+              <a:t>수정하기</a:t>
+            </a:r>
+            <a:r>
+              <a:rPr lang="en-US" altLang="ko-KR"/>
+              <a:t>)</a:t>
+            </a:r>
+            <a:endParaRPr lang="ko-KR" altLang="en-US"/>
+          </a:p>
+        </p:txBody>
+      </p:sp>
+      <p:cxnSp>
+        <p:nvCxnSpPr>
+          <p:cNvPr id="13" name="직선 연결선 12">
+            <a:extLst>
+              <a:ext uri="{FF2B5EF4-FFF2-40B4-BE49-F238E27FC236}">
+                <a16:creationId xmlns:a16="http://schemas.microsoft.com/office/drawing/2014/main" id="{53AF2E4C-8F0A-4850-B348-7EE698F2E781}"/>
+              </a:ext>
+            </a:extLst>
+          </p:cNvPr>
+          <p:cNvCxnSpPr/>
+          <p:nvPr/>
+        </p:nvCxnSpPr>
+        <p:spPr>
+          <a:xfrm>
+            <a:off x="195039" y="2765133"/>
+            <a:ext cx="7024382" cy="0"/>
+          </a:xfrm>
+          <a:prstGeom prst="line">
+            <a:avLst/>
+          </a:prstGeom>
+        </p:spPr>
+        <p:style>
+          <a:lnRef idx="1">
+            <a:schemeClr val="accent1"/>
+          </a:lnRef>
+          <a:fillRef idx="0">
+            <a:schemeClr val="accent1"/>
+          </a:fillRef>
+          <a:effectRef idx="0">
+            <a:schemeClr val="accent1"/>
+          </a:effectRef>
+          <a:fontRef idx="minor">
+            <a:schemeClr val="tx1"/>
+          </a:fontRef>
+        </p:style>
+      </p:cxnSp>
+      <p:sp>
+        <p:nvSpPr>
+          <p:cNvPr id="14" name="TextBox 13">
+            <a:extLst>
+              <a:ext uri="{FF2B5EF4-FFF2-40B4-BE49-F238E27FC236}">
+                <a16:creationId xmlns:a16="http://schemas.microsoft.com/office/drawing/2014/main" id="{BD637AA4-0EE5-4417-99F8-8F1CF0CF224E}"/>
+              </a:ext>
+            </a:extLst>
+          </p:cNvPr>
+          <p:cNvSpPr txBox="1"/>
+          <p:nvPr/>
+        </p:nvSpPr>
+        <p:spPr>
+          <a:xfrm>
+            <a:off x="511024" y="2959462"/>
+            <a:ext cx="6392411" cy="369332"/>
+          </a:xfrm>
+          <a:prstGeom prst="rect">
+            <a:avLst/>
+          </a:prstGeom>
+          <a:noFill/>
+        </p:spPr>
+        <p:txBody>
+          <a:bodyPr wrap="square" rtlCol="0">
+            <a:spAutoFit/>
+          </a:bodyPr>
+          <a:lstStyle/>
+          <a:p>
+            <a:r>
+              <a:rPr lang="ko-KR" altLang="en-US"/>
+              <a:t>에디터를 이용해서 이미지</a:t>
+            </a:r>
+            <a:r>
+              <a:rPr lang="en-US" altLang="ko-KR"/>
+              <a:t>, </a:t>
+            </a:r>
+            <a:r>
+              <a:rPr lang="ko-KR" altLang="en-US"/>
+              <a:t>동영상 첨부가 가능하다</a:t>
+            </a:r>
+            <a:r>
+              <a:rPr lang="en-US" altLang="ko-KR"/>
+              <a:t>.</a:t>
+            </a:r>
+          </a:p>
+        </p:txBody>
+      </p:sp>
+      <p:pic>
+        <p:nvPicPr>
+          <p:cNvPr id="15" name="그림 14">
+            <a:extLst>
+              <a:ext uri="{FF2B5EF4-FFF2-40B4-BE49-F238E27FC236}">
+                <a16:creationId xmlns:a16="http://schemas.microsoft.com/office/drawing/2014/main" id="{3141E5E7-5F25-4B1A-9426-CA84C6299FBD}"/>
+              </a:ext>
+            </a:extLst>
+          </p:cNvPr>
+          <p:cNvPicPr>
+            <a:picLocks noChangeAspect="1"/>
+          </p:cNvPicPr>
+          <p:nvPr/>
+        </p:nvPicPr>
+        <p:blipFill>
+          <a:blip r:embed="rId2"/>
+          <a:stretch>
+            <a:fillRect/>
+          </a:stretch>
+        </p:blipFill>
+        <p:spPr>
+          <a:xfrm>
+            <a:off x="595445" y="3523122"/>
+            <a:ext cx="5976543" cy="2520415"/>
+          </a:xfrm>
+          <a:prstGeom prst="rect">
+            <a:avLst/>
+          </a:prstGeom>
+        </p:spPr>
+      </p:pic>
+      <p:sp>
+        <p:nvSpPr>
+          <p:cNvPr id="16" name="TextBox 15">
+            <a:extLst>
+              <a:ext uri="{FF2B5EF4-FFF2-40B4-BE49-F238E27FC236}">
+                <a16:creationId xmlns:a16="http://schemas.microsoft.com/office/drawing/2014/main" id="{FA1A0E68-DC7E-488D-9C5A-355F29D89AF6}"/>
+              </a:ext>
+            </a:extLst>
+          </p:cNvPr>
+          <p:cNvSpPr txBox="1"/>
+          <p:nvPr/>
+        </p:nvSpPr>
+        <p:spPr>
+          <a:xfrm>
+            <a:off x="7441718" y="157008"/>
+            <a:ext cx="4429387" cy="2246769"/>
+          </a:xfrm>
+          <a:prstGeom prst="rect">
+            <a:avLst/>
+          </a:prstGeom>
+          <a:noFill/>
+        </p:spPr>
+        <p:txBody>
+          <a:bodyPr wrap="square" rtlCol="0">
+            <a:spAutoFit/>
+          </a:bodyPr>
+          <a:lstStyle/>
+          <a:p>
+            <a:pPr marL="342900" indent="-342900">
+              <a:buAutoNum type="arabicPeriod"/>
+            </a:pPr>
+            <a:r>
+              <a:rPr lang="ko-KR" altLang="en-US" sz="2400"/>
+              <a:t>글 작성하기</a:t>
+            </a:r>
+            <a:endParaRPr lang="en-US" altLang="ko-KR" sz="2400"/>
+          </a:p>
+          <a:p>
+            <a:r>
+              <a:rPr lang="en-US" altLang="ko-KR" sz="2000"/>
+              <a:t> </a:t>
+            </a:r>
+            <a:r>
+              <a:rPr lang="en-US" altLang="ko-KR" sz="1600"/>
+              <a:t>- </a:t>
+            </a:r>
+            <a:r>
+              <a:rPr lang="ko-KR" altLang="en-US" sz="1600"/>
+              <a:t>국가 카테고리는 아시아 리스트 중에 선택이 가능하다</a:t>
+            </a:r>
+            <a:r>
+              <a:rPr lang="en-US" altLang="ko-KR" sz="1600"/>
+              <a:t>.</a:t>
+            </a:r>
+          </a:p>
+          <a:p>
+            <a:r>
+              <a:rPr lang="en-US" altLang="ko-KR" sz="1600"/>
+              <a:t> - </a:t>
+            </a:r>
+            <a:r>
+              <a:rPr lang="ko-KR" altLang="en-US" sz="1600"/>
+              <a:t>게시글을 작성하는 에디터는 </a:t>
+            </a:r>
+            <a:r>
+              <a:rPr lang="en-US" altLang="ko-KR" sz="1600">
+                <a:solidFill>
+                  <a:srgbClr val="FF0000"/>
+                </a:solidFill>
+              </a:rPr>
+              <a:t>??</a:t>
+            </a:r>
+            <a:r>
+              <a:rPr lang="ko-KR" altLang="en-US" sz="1600"/>
+              <a:t>를 사용한다</a:t>
+            </a:r>
+            <a:r>
+              <a:rPr lang="en-US" altLang="ko-KR" sz="1600"/>
+              <a:t>.</a:t>
+            </a:r>
+          </a:p>
+          <a:p>
+            <a:r>
+              <a:rPr lang="en-US" altLang="ko-KR" sz="1600">
+                <a:solidFill>
+                  <a:srgbClr val="FF0000"/>
+                </a:solidFill>
+              </a:rPr>
+              <a:t> </a:t>
+            </a:r>
+            <a:r>
+              <a:rPr lang="en-US" altLang="ko-KR" sz="1600"/>
+              <a:t>- </a:t>
+            </a:r>
+            <a:r>
+              <a:rPr lang="ko-KR" altLang="en-US" sz="1600"/>
+              <a:t>게시글은 임시저장 기능과 불러오기 기능이 존재한다</a:t>
+            </a:r>
+            <a:r>
+              <a:rPr lang="en-US" altLang="ko-KR" sz="1600"/>
+              <a:t>.</a:t>
+            </a:r>
+          </a:p>
+          <a:p>
+            <a:r>
+              <a:rPr lang="en-US" altLang="ko-KR" sz="1600">
+                <a:solidFill>
+                  <a:srgbClr val="FF0000"/>
+                </a:solidFill>
+              </a:rPr>
+              <a:t> </a:t>
+            </a:r>
+            <a:r>
+              <a:rPr lang="en-US" altLang="ko-KR" sz="1600"/>
+              <a:t>- </a:t>
+            </a:r>
+            <a:r>
+              <a:rPr lang="ko-KR" altLang="en-US" sz="1600"/>
+              <a:t>임시저장을 클릭하면 불러오기에 추가되며</a:t>
+            </a:r>
+            <a:r>
+              <a:rPr lang="en-US" altLang="ko-KR" sz="1600"/>
+              <a:t>, </a:t>
+            </a:r>
+            <a:r>
+              <a:rPr lang="ko-KR" altLang="en-US" sz="1600"/>
+              <a:t>추후에 작성한 내용을 이어서 작성할 수 있다</a:t>
+            </a:r>
+            <a:r>
+              <a:rPr lang="en-US" altLang="ko-KR" sz="1600"/>
+              <a:t>.</a:t>
+            </a:r>
+            <a:endParaRPr lang="en-US" altLang="ko-KR" sz="2000">
               <a:solidFill>
                 <a:srgbClr val="FF0000"/>
               </a:solidFill>
             </a:endParaRPr>
           </a:p>
-          <a:p>
-            <a:r>
-              <a:rPr lang="en-US" altLang="ko-KR"/>
-              <a:t>[</a:t>
-            </a:r>
-            <a:r>
-              <a:rPr lang="ko-KR" altLang="en-US" err="1"/>
-              <a:t>타이베이</a:t>
-            </a:r>
-            <a:r>
-              <a:rPr lang="en-US" altLang="ko-KR"/>
-              <a:t>] </a:t>
-            </a:r>
-            <a:r>
-              <a:rPr lang="ko-KR" altLang="en-US" err="1"/>
-              <a:t>타이베이</a:t>
-            </a:r>
-            <a:r>
-              <a:rPr lang="ko-KR" altLang="en-US"/>
-              <a:t> 시티 호텔</a:t>
-            </a:r>
-            <a:endParaRPr lang="en-US" altLang="ko-KR"/>
-          </a:p>
-          <a:p>
-            <a:endParaRPr lang="en-US" altLang="ko-KR" sz="1100"/>
-          </a:p>
-          <a:p>
-            <a:r>
-              <a:rPr lang="en-US" altLang="ko-KR"/>
-              <a:t>yjhn0715 </a:t>
-            </a:r>
-          </a:p>
-        </p:txBody>
-      </p:sp>
-      <p:sp>
-        <p:nvSpPr>
-          <p:cNvPr id="3" name="TextBox 2">
-            <a:extLst>
-              <a:ext uri="{FF2B5EF4-FFF2-40B4-BE49-F238E27FC236}">
-                <a16:creationId xmlns:a16="http://schemas.microsoft.com/office/drawing/2014/main" id="{FC8C8E6C-5E35-46E7-B69F-1F2FCEB5A228}"/>
+        </p:txBody>
+      </p:sp>
+      <p:sp>
+        <p:nvSpPr>
+          <p:cNvPr id="17" name="TextBox 16">
+            <a:extLst>
+              <a:ext uri="{FF2B5EF4-FFF2-40B4-BE49-F238E27FC236}">
+                <a16:creationId xmlns:a16="http://schemas.microsoft.com/office/drawing/2014/main" id="{D5D06ED2-44FB-4D40-BD4D-A9F8D4D1A3D8}"/>
               </a:ext>
             </a:extLst>
           </p:cNvPr>
@@ -6130,13 +8165,18 @@
         </p:nvSpPr>
         <p:spPr>
           <a:xfrm>
-            <a:off x="146805" y="-514350"/>
-            <a:ext cx="1681995" cy="369332"/>
+            <a:off x="4876609" y="2381003"/>
+            <a:ext cx="864241" cy="276999"/>
           </a:xfrm>
           <a:prstGeom prst="rect">
             <a:avLst/>
           </a:prstGeom>
           <a:noFill/>
+          <a:ln>
+            <a:solidFill>
+              <a:schemeClr val="tx1"/>
+            </a:solidFill>
+          </a:ln>
         </p:spPr>
         <p:txBody>
           <a:bodyPr wrap="square" rtlCol="0">
@@ -6144,17 +8184,103 @@
           </a:bodyPr>
           <a:lstStyle/>
           <a:p>
-            <a:r>
-              <a:rPr lang="ko-KR" altLang="en-US"/>
-              <a:t>글 상세보기</a:t>
-            </a:r>
+            <a:pPr algn="ctr"/>
+            <a:r>
+              <a:rPr lang="ko-KR" altLang="en-US" sz="1200"/>
+              <a:t>임시저장</a:t>
+            </a:r>
+            <a:endParaRPr lang="en-US" altLang="ko-KR" sz="1200"/>
+          </a:p>
+        </p:txBody>
+      </p:sp>
+      <p:sp>
+        <p:nvSpPr>
+          <p:cNvPr id="18" name="TextBox 17">
+            <a:extLst>
+              <a:ext uri="{FF2B5EF4-FFF2-40B4-BE49-F238E27FC236}">
+                <a16:creationId xmlns:a16="http://schemas.microsoft.com/office/drawing/2014/main" id="{C695DA15-8729-4A54-854A-9BC9F4C0889A}"/>
+              </a:ext>
+            </a:extLst>
+          </p:cNvPr>
+          <p:cNvSpPr txBox="1"/>
+          <p:nvPr/>
+        </p:nvSpPr>
+        <p:spPr>
+          <a:xfrm>
+            <a:off x="5955732" y="2381002"/>
+            <a:ext cx="864241" cy="276999"/>
+          </a:xfrm>
+          <a:prstGeom prst="rect">
+            <a:avLst/>
+          </a:prstGeom>
+          <a:noFill/>
+          <a:ln>
+            <a:solidFill>
+              <a:schemeClr val="tx1"/>
+            </a:solidFill>
+          </a:ln>
+        </p:spPr>
+        <p:txBody>
+          <a:bodyPr wrap="square" rtlCol="0">
+            <a:spAutoFit/>
+          </a:bodyPr>
+          <a:lstStyle/>
+          <a:p>
+            <a:pPr algn="ctr"/>
+            <a:r>
+              <a:rPr lang="ko-KR" altLang="en-US" sz="1200"/>
+              <a:t>불러오기</a:t>
+            </a:r>
+            <a:endParaRPr lang="en-US" altLang="ko-KR" sz="1200"/>
+          </a:p>
+        </p:txBody>
+      </p:sp>
+      <p:sp>
+        <p:nvSpPr>
+          <p:cNvPr id="19" name="TextBox 18">
+            <a:extLst>
+              <a:ext uri="{FF2B5EF4-FFF2-40B4-BE49-F238E27FC236}">
+                <a16:creationId xmlns:a16="http://schemas.microsoft.com/office/drawing/2014/main" id="{BA80CFD4-C717-4335-A20F-E2CDA1D1702D}"/>
+              </a:ext>
+            </a:extLst>
+          </p:cNvPr>
+          <p:cNvSpPr txBox="1"/>
+          <p:nvPr/>
+        </p:nvSpPr>
+        <p:spPr>
+          <a:xfrm>
+            <a:off x="6166279" y="6208886"/>
+            <a:ext cx="864241" cy="276999"/>
+          </a:xfrm>
+          <a:prstGeom prst="rect">
+            <a:avLst/>
+          </a:prstGeom>
+          <a:noFill/>
+          <a:ln>
+            <a:solidFill>
+              <a:schemeClr val="tx1"/>
+            </a:solidFill>
+          </a:ln>
+        </p:spPr>
+        <p:txBody>
+          <a:bodyPr wrap="square" rtlCol="0">
+            <a:spAutoFit/>
+          </a:bodyPr>
+          <a:lstStyle/>
+          <a:p>
+            <a:pPr algn="ctr"/>
+            <a:r>
+              <a:rPr lang="ko-KR" altLang="en-US" sz="1200"/>
+              <a:t>게시하기</a:t>
+            </a:r>
+            <a:endParaRPr lang="en-US" altLang="ko-KR" sz="1200"/>
           </a:p>
         </p:txBody>
       </p:sp>
     </p:spTree>
     <p:extLst>
       <p:ext uri="{BB962C8B-B14F-4D97-AF65-F5344CB8AC3E}">
-        <p14:creationId xmlns:p14="http://schemas.microsoft.com/office/powerpoint/2010/main" val="2310544122"/>
+        <p14:creationId xmlns:p14="http://schemas.microsoft.com/office/powerpoint/2010/main" val="231031191"/>
       </p:ext>
     </p:extLst>
   </p:cSld>

--- a/화면 기획서.pptx
+++ b/화면 기획서.pptx
@@ -9,6 +9,8 @@
     <p:sldId id="258" r:id="rId3"/>
     <p:sldId id="261" r:id="rId4"/>
     <p:sldId id="259" r:id="rId5"/>
+    <p:sldId id="263" r:id="rId6"/>
+    <p:sldId id="264" r:id="rId7"/>
   </p:sldIdLst>
   <p:sldSz cx="12192000" cy="6858000"/>
   <p:notesSz cx="6858000" cy="9144000"/>
@@ -116,6 +118,8 @@
             <p14:sldId id="258"/>
             <p14:sldId id="261"/>
             <p14:sldId id="259"/>
+            <p14:sldId id="263"/>
+            <p14:sldId id="264"/>
           </p14:sldIdLst>
         </p14:section>
       </p14:sectionLst>
@@ -274,7 +278,7 @@
           <a:p>
             <a:fld id="{47DE47EB-9755-4E5B-8EA0-BA4B83457820}" type="datetimeFigureOut">
               <a:rPr lang="ko-KR" altLang="en-US" smtClean="0"/>
-              <a:t>2020-02-02</a:t>
+              <a:t>2020-02-03</a:t>
             </a:fld>
             <a:endParaRPr lang="ko-KR" altLang="en-US"/>
           </a:p>
@@ -472,7 +476,7 @@
           <a:p>
             <a:fld id="{47DE47EB-9755-4E5B-8EA0-BA4B83457820}" type="datetimeFigureOut">
               <a:rPr lang="ko-KR" altLang="en-US" smtClean="0"/>
-              <a:t>2020-02-02</a:t>
+              <a:t>2020-02-03</a:t>
             </a:fld>
             <a:endParaRPr lang="ko-KR" altLang="en-US"/>
           </a:p>
@@ -680,7 +684,7 @@
           <a:p>
             <a:fld id="{47DE47EB-9755-4E5B-8EA0-BA4B83457820}" type="datetimeFigureOut">
               <a:rPr lang="ko-KR" altLang="en-US" smtClean="0"/>
-              <a:t>2020-02-02</a:t>
+              <a:t>2020-02-03</a:t>
             </a:fld>
             <a:endParaRPr lang="ko-KR" altLang="en-US"/>
           </a:p>
@@ -878,7 +882,7 @@
           <a:p>
             <a:fld id="{47DE47EB-9755-4E5B-8EA0-BA4B83457820}" type="datetimeFigureOut">
               <a:rPr lang="ko-KR" altLang="en-US" smtClean="0"/>
-              <a:t>2020-02-02</a:t>
+              <a:t>2020-02-03</a:t>
             </a:fld>
             <a:endParaRPr lang="ko-KR" altLang="en-US"/>
           </a:p>
@@ -1153,7 +1157,7 @@
           <a:p>
             <a:fld id="{47DE47EB-9755-4E5B-8EA0-BA4B83457820}" type="datetimeFigureOut">
               <a:rPr lang="ko-KR" altLang="en-US" smtClean="0"/>
-              <a:t>2020-02-02</a:t>
+              <a:t>2020-02-03</a:t>
             </a:fld>
             <a:endParaRPr lang="ko-KR" altLang="en-US"/>
           </a:p>
@@ -1418,7 +1422,7 @@
           <a:p>
             <a:fld id="{47DE47EB-9755-4E5B-8EA0-BA4B83457820}" type="datetimeFigureOut">
               <a:rPr lang="ko-KR" altLang="en-US" smtClean="0"/>
-              <a:t>2020-02-02</a:t>
+              <a:t>2020-02-03</a:t>
             </a:fld>
             <a:endParaRPr lang="ko-KR" altLang="en-US"/>
           </a:p>
@@ -1830,7 +1834,7 @@
           <a:p>
             <a:fld id="{47DE47EB-9755-4E5B-8EA0-BA4B83457820}" type="datetimeFigureOut">
               <a:rPr lang="ko-KR" altLang="en-US" smtClean="0"/>
-              <a:t>2020-02-02</a:t>
+              <a:t>2020-02-03</a:t>
             </a:fld>
             <a:endParaRPr lang="ko-KR" altLang="en-US"/>
           </a:p>
@@ -1971,7 +1975,7 @@
           <a:p>
             <a:fld id="{47DE47EB-9755-4E5B-8EA0-BA4B83457820}" type="datetimeFigureOut">
               <a:rPr lang="ko-KR" altLang="en-US" smtClean="0"/>
-              <a:t>2020-02-02</a:t>
+              <a:t>2020-02-03</a:t>
             </a:fld>
             <a:endParaRPr lang="ko-KR" altLang="en-US"/>
           </a:p>
@@ -2084,7 +2088,7 @@
           <a:p>
             <a:fld id="{47DE47EB-9755-4E5B-8EA0-BA4B83457820}" type="datetimeFigureOut">
               <a:rPr lang="ko-KR" altLang="en-US" smtClean="0"/>
-              <a:t>2020-02-02</a:t>
+              <a:t>2020-02-03</a:t>
             </a:fld>
             <a:endParaRPr lang="ko-KR" altLang="en-US"/>
           </a:p>
@@ -2395,7 +2399,7 @@
           <a:p>
             <a:fld id="{47DE47EB-9755-4E5B-8EA0-BA4B83457820}" type="datetimeFigureOut">
               <a:rPr lang="ko-KR" altLang="en-US" smtClean="0"/>
-              <a:t>2020-02-02</a:t>
+              <a:t>2020-02-03</a:t>
             </a:fld>
             <a:endParaRPr lang="ko-KR" altLang="en-US"/>
           </a:p>
@@ -2683,7 +2687,7 @@
           <a:p>
             <a:fld id="{47DE47EB-9755-4E5B-8EA0-BA4B83457820}" type="datetimeFigureOut">
               <a:rPr lang="ko-KR" altLang="en-US" smtClean="0"/>
-              <a:t>2020-02-02</a:t>
+              <a:t>2020-02-03</a:t>
             </a:fld>
             <a:endParaRPr lang="ko-KR" altLang="en-US"/>
           </a:p>
@@ -2924,7 +2928,7 @@
           <a:p>
             <a:fld id="{47DE47EB-9755-4E5B-8EA0-BA4B83457820}" type="datetimeFigureOut">
               <a:rPr lang="ko-KR" altLang="en-US" smtClean="0"/>
-              <a:t>2020-02-02</a:t>
+              <a:t>2020-02-03</a:t>
             </a:fld>
             <a:endParaRPr lang="ko-KR" altLang="en-US"/>
           </a:p>
@@ -5710,7 +5714,7 @@
                   <a:schemeClr val="bg1"/>
                 </a:solidFill>
               </a:rPr>
-              <a:t>로그인</a:t>
+              <a:t>로그아웃</a:t>
             </a:r>
             <a:endParaRPr lang="en-US" altLang="ko-KR">
               <a:solidFill>
@@ -5824,32 +5828,24 @@
               <a:t>  </a:t>
             </a:r>
             <a:r>
+              <a:rPr lang="ko-KR" altLang="en-US" sz="900">
+                <a:solidFill>
+                  <a:schemeClr val="accent3"/>
+                </a:solidFill>
+              </a:rPr>
+              <a:t>마지막 수정일자 </a:t>
+            </a:r>
+            <a:r>
               <a:rPr lang="en-US" altLang="ko-KR" sz="900">
                 <a:solidFill>
                   <a:schemeClr val="accent3"/>
                 </a:solidFill>
               </a:rPr>
-              <a:t>(</a:t>
-            </a:r>
-            <a:r>
-              <a:rPr lang="ko-KR" altLang="en-US" sz="900">
-                <a:solidFill>
-                  <a:schemeClr val="accent3"/>
-                </a:solidFill>
-              </a:rPr>
-              <a:t>수정됨</a:t>
-            </a:r>
-            <a:r>
-              <a:rPr lang="en-US" altLang="ko-KR" sz="900">
-                <a:solidFill>
-                  <a:schemeClr val="accent3"/>
-                </a:solidFill>
-              </a:rPr>
-              <a:t>)</a:t>
+              <a:t>: 2020.2.3</a:t>
             </a:r>
             <a:r>
               <a:rPr lang="en-US" altLang="ko-KR"/>
-              <a:t>          	   </a:t>
+              <a:t>       </a:t>
             </a:r>
             <a:r>
               <a:rPr lang="ko-KR" altLang="en-US" sz="1400">
@@ -6620,7 +6616,7 @@
         <p:spPr>
           <a:xfrm>
             <a:off x="7441718" y="157008"/>
-            <a:ext cx="4429387" cy="1200329"/>
+            <a:ext cx="4429387" cy="4062651"/>
           </a:xfrm>
           <a:prstGeom prst="rect">
             <a:avLst/>
@@ -6677,6 +6673,103 @@
               <a:rPr lang="en-US" altLang="ko-KR" sz="1600"/>
               <a:t>.</a:t>
             </a:r>
+          </a:p>
+          <a:p>
+            <a:endParaRPr lang="en-US" altLang="ko-KR" sz="1600"/>
+          </a:p>
+          <a:p>
+            <a:r>
+              <a:rPr lang="en-US" altLang="ko-KR" sz="2400"/>
+              <a:t>2. </a:t>
+            </a:r>
+            <a:r>
+              <a:rPr lang="ko-KR" altLang="en-US" sz="2400"/>
+              <a:t>댓글 삭제</a:t>
+            </a:r>
+            <a:endParaRPr lang="en-US" altLang="ko-KR" sz="2400"/>
+          </a:p>
+          <a:p>
+            <a:r>
+              <a:rPr lang="en-US" altLang="ko-KR" sz="1600"/>
+              <a:t> - </a:t>
+            </a:r>
+            <a:r>
+              <a:rPr lang="ko-KR" altLang="en-US" sz="1600"/>
+              <a:t>댓글 삭제 시에는 유저의 아이디는 비공개 처리되며</a:t>
+            </a:r>
+            <a:r>
+              <a:rPr lang="en-US" altLang="ko-KR" sz="1600"/>
+              <a:t>, </a:t>
+            </a:r>
+            <a:r>
+              <a:rPr lang="ko-KR" altLang="en-US" sz="1600"/>
+              <a:t>댓글의 내용은 </a:t>
+            </a:r>
+            <a:r>
+              <a:rPr lang="en-US" altLang="ko-KR" sz="1600"/>
+              <a:t>“</a:t>
+            </a:r>
+            <a:r>
+              <a:rPr lang="ko-KR" altLang="en-US" sz="1600"/>
+              <a:t>삭제된 댓글입니다</a:t>
+            </a:r>
+            <a:r>
+              <a:rPr lang="en-US" altLang="ko-KR" sz="1600"/>
+              <a:t>.” </a:t>
+            </a:r>
+            <a:r>
+              <a:rPr lang="ko-KR" altLang="en-US" sz="1600"/>
+              <a:t>문구가 표시됩니다</a:t>
+            </a:r>
+            <a:r>
+              <a:rPr lang="en-US" altLang="ko-KR" sz="1600"/>
+              <a:t>.</a:t>
+            </a:r>
+          </a:p>
+          <a:p>
+            <a:endParaRPr lang="en-US" altLang="ko-KR"/>
+          </a:p>
+          <a:p>
+            <a:r>
+              <a:rPr lang="en-US" altLang="ko-KR" sz="2400"/>
+              <a:t>3. </a:t>
+            </a:r>
+            <a:r>
+              <a:rPr lang="ko-KR" altLang="en-US" sz="2400"/>
+              <a:t>좋아요</a:t>
+            </a:r>
+            <a:r>
+              <a:rPr lang="en-US" altLang="ko-KR" sz="2400"/>
+              <a:t>, </a:t>
+            </a:r>
+            <a:r>
+              <a:rPr lang="ko-KR" altLang="en-US" sz="2400"/>
+              <a:t>즐겨찾기 클릭 시 토글</a:t>
+            </a:r>
+            <a:r>
+              <a:rPr lang="en-US" altLang="ko-KR" sz="2400"/>
+              <a:t> </a:t>
+            </a:r>
+            <a:r>
+              <a:rPr lang="ko-KR" altLang="en-US" sz="2400"/>
+              <a:t>적용</a:t>
+            </a:r>
+            <a:endParaRPr lang="en-US" altLang="ko-KR" sz="2400"/>
+          </a:p>
+          <a:p>
+            <a:r>
+              <a:rPr lang="en-US" altLang="ko-KR" sz="1600"/>
+              <a:t> - </a:t>
+            </a:r>
+            <a:r>
+              <a:rPr lang="ko-KR" altLang="en-US" sz="1600"/>
+              <a:t>좋아요와 즐겨찾기에는 토글을 적용하여 두 번 클릭 시 선택이 취소된다</a:t>
+            </a:r>
+            <a:r>
+              <a:rPr lang="en-US" altLang="ko-KR" sz="1600"/>
+              <a:t>.</a:t>
+            </a:r>
+            <a:endParaRPr lang="en-US" altLang="ko-KR" sz="2400"/>
           </a:p>
         </p:txBody>
       </p:sp>
@@ -6702,7 +6795,7 @@
         </p:blipFill>
         <p:spPr>
           <a:xfrm>
-            <a:off x="1918769" y="3828897"/>
+            <a:off x="2564722" y="3828897"/>
             <a:ext cx="460565" cy="406753"/>
           </a:xfrm>
           <a:prstGeom prst="rect">
@@ -7398,6 +7491,45 @@
           </a:prstGeom>
         </p:spPr>
       </p:pic>
+      <p:sp>
+        <p:nvSpPr>
+          <p:cNvPr id="34" name="TextBox 33">
+            <a:extLst>
+              <a:ext uri="{FF2B5EF4-FFF2-40B4-BE49-F238E27FC236}">
+                <a16:creationId xmlns:a16="http://schemas.microsoft.com/office/drawing/2014/main" id="{61CCCDA5-3FB2-4C08-98AE-714FDA4EFC42}"/>
+              </a:ext>
+            </a:extLst>
+          </p:cNvPr>
+          <p:cNvSpPr txBox="1"/>
+          <p:nvPr/>
+        </p:nvSpPr>
+        <p:spPr>
+          <a:xfrm>
+            <a:off x="1933411" y="3890561"/>
+            <a:ext cx="712333" cy="369332"/>
+          </a:xfrm>
+          <a:prstGeom prst="rect">
+            <a:avLst/>
+          </a:prstGeom>
+          <a:noFill/>
+        </p:spPr>
+        <p:txBody>
+          <a:bodyPr wrap="square" rtlCol="0">
+            <a:spAutoFit/>
+          </a:bodyPr>
+          <a:lstStyle/>
+          <a:p>
+            <a:r>
+              <a:rPr lang="ko-KR" altLang="en-US">
+                <a:solidFill>
+                  <a:schemeClr val="accent3"/>
+                </a:solidFill>
+              </a:rPr>
+              <a:t>삭제</a:t>
+            </a:r>
+          </a:p>
+        </p:txBody>
+      </p:sp>
     </p:spTree>
     <p:extLst>
       <p:ext uri="{BB962C8B-B14F-4D97-AF65-F5344CB8AC3E}">
@@ -7735,7 +7867,7 @@
                   <a:schemeClr val="bg1"/>
                 </a:solidFill>
               </a:rPr>
-              <a:t>로그인</a:t>
+              <a:t>로그아웃</a:t>
             </a:r>
             <a:endParaRPr lang="en-US" altLang="ko-KR">
               <a:solidFill>
@@ -8281,6 +8413,971 @@
     <p:extLst>
       <p:ext uri="{BB962C8B-B14F-4D97-AF65-F5344CB8AC3E}">
         <p14:creationId xmlns:p14="http://schemas.microsoft.com/office/powerpoint/2010/main" val="231031191"/>
+      </p:ext>
+    </p:extLst>
+  </p:cSld>
+  <p:clrMapOvr>
+    <a:masterClrMapping/>
+  </p:clrMapOvr>
+</p:sld>
+</file>
+
+<file path=ppt/slides/slide5.xml><?xml version="1.0" encoding="utf-8"?>
+<p:sld xmlns:a="http://schemas.openxmlformats.org/drawingml/2006/main" xmlns:r="http://schemas.openxmlformats.org/officeDocument/2006/relationships" xmlns:p="http://schemas.openxmlformats.org/presentationml/2006/main">
+  <p:cSld>
+    <p:spTree>
+      <p:nvGrpSpPr>
+        <p:cNvPr id="1" name=""/>
+        <p:cNvGrpSpPr/>
+        <p:nvPr/>
+      </p:nvGrpSpPr>
+      <p:grpSpPr>
+        <a:xfrm>
+          <a:off x="0" y="0"/>
+          <a:ext cx="0" cy="0"/>
+          <a:chOff x="0" y="0"/>
+          <a:chExt cx="0" cy="0"/>
+        </a:xfrm>
+      </p:grpSpPr>
+      <p:sp>
+        <p:nvSpPr>
+          <p:cNvPr id="5" name="직사각형 4">
+            <a:extLst>
+              <a:ext uri="{FF2B5EF4-FFF2-40B4-BE49-F238E27FC236}">
+                <a16:creationId xmlns:a16="http://schemas.microsoft.com/office/drawing/2014/main" id="{D6C6D357-0518-4C50-9FB1-4825CBE7D9B7}"/>
+              </a:ext>
+            </a:extLst>
+          </p:cNvPr>
+          <p:cNvSpPr/>
+          <p:nvPr/>
+        </p:nvSpPr>
+        <p:spPr>
+          <a:xfrm>
+            <a:off x="138410" y="157008"/>
+            <a:ext cx="7024382" cy="6363741"/>
+          </a:xfrm>
+          <a:prstGeom prst="rect">
+            <a:avLst/>
+          </a:prstGeom>
+          <a:solidFill>
+            <a:schemeClr val="bg1"/>
+          </a:solidFill>
+        </p:spPr>
+        <p:style>
+          <a:lnRef idx="2">
+            <a:schemeClr val="accent1">
+              <a:shade val="50000"/>
+            </a:schemeClr>
+          </a:lnRef>
+          <a:fillRef idx="1">
+            <a:schemeClr val="accent1"/>
+          </a:fillRef>
+          <a:effectRef idx="0">
+            <a:schemeClr val="accent1"/>
+          </a:effectRef>
+          <a:fontRef idx="minor">
+            <a:schemeClr val="lt1"/>
+          </a:fontRef>
+        </p:style>
+        <p:txBody>
+          <a:bodyPr rtlCol="0" anchor="ctr"/>
+          <a:lstStyle/>
+          <a:p>
+            <a:pPr algn="ctr"/>
+            <a:endParaRPr lang="ko-KR" altLang="en-US"/>
+          </a:p>
+        </p:txBody>
+      </p:sp>
+      <p:sp>
+        <p:nvSpPr>
+          <p:cNvPr id="36" name="TextBox 35">
+            <a:extLst>
+              <a:ext uri="{FF2B5EF4-FFF2-40B4-BE49-F238E27FC236}">
+                <a16:creationId xmlns:a16="http://schemas.microsoft.com/office/drawing/2014/main" id="{95BED7A1-74D2-4EC9-9B25-887C80297073}"/>
+              </a:ext>
+            </a:extLst>
+          </p:cNvPr>
+          <p:cNvSpPr txBox="1"/>
+          <p:nvPr/>
+        </p:nvSpPr>
+        <p:spPr>
+          <a:xfrm>
+            <a:off x="138410" y="-504825"/>
+            <a:ext cx="1833004" cy="369332"/>
+          </a:xfrm>
+          <a:prstGeom prst="rect">
+            <a:avLst/>
+          </a:prstGeom>
+          <a:noFill/>
+        </p:spPr>
+        <p:txBody>
+          <a:bodyPr wrap="square" rtlCol="0">
+            <a:spAutoFit/>
+          </a:bodyPr>
+          <a:lstStyle/>
+          <a:p>
+            <a:r>
+              <a:rPr lang="ko-KR" altLang="en-US"/>
+              <a:t>로그인</a:t>
+            </a:r>
+          </a:p>
+        </p:txBody>
+      </p:sp>
+      <p:sp>
+        <p:nvSpPr>
+          <p:cNvPr id="27" name="TextBox 26">
+            <a:extLst>
+              <a:ext uri="{FF2B5EF4-FFF2-40B4-BE49-F238E27FC236}">
+                <a16:creationId xmlns:a16="http://schemas.microsoft.com/office/drawing/2014/main" id="{503B7607-7F31-4C85-878F-450D737E343E}"/>
+              </a:ext>
+            </a:extLst>
+          </p:cNvPr>
+          <p:cNvSpPr txBox="1"/>
+          <p:nvPr/>
+        </p:nvSpPr>
+        <p:spPr>
+          <a:xfrm>
+            <a:off x="1372209" y="1170426"/>
+            <a:ext cx="4647591" cy="584775"/>
+          </a:xfrm>
+          <a:prstGeom prst="rect">
+            <a:avLst/>
+          </a:prstGeom>
+          <a:noFill/>
+          <a:ln>
+            <a:noFill/>
+          </a:ln>
+        </p:spPr>
+        <p:txBody>
+          <a:bodyPr wrap="square" rtlCol="0">
+            <a:spAutoFit/>
+          </a:bodyPr>
+          <a:lstStyle/>
+          <a:p>
+            <a:r>
+              <a:rPr lang="ko-KR" altLang="en-US" sz="3200"/>
+              <a:t>아시아 여행 커뮤니티</a:t>
+            </a:r>
+            <a:endParaRPr lang="en-US" altLang="ko-KR" sz="3200"/>
+          </a:p>
+        </p:txBody>
+      </p:sp>
+      <p:sp>
+        <p:nvSpPr>
+          <p:cNvPr id="3" name="직사각형 2">
+            <a:extLst>
+              <a:ext uri="{FF2B5EF4-FFF2-40B4-BE49-F238E27FC236}">
+                <a16:creationId xmlns:a16="http://schemas.microsoft.com/office/drawing/2014/main" id="{FA99AEB7-7B21-4092-B464-EB57ABDD056E}"/>
+              </a:ext>
+            </a:extLst>
+          </p:cNvPr>
+          <p:cNvSpPr/>
+          <p:nvPr/>
+        </p:nvSpPr>
+        <p:spPr>
+          <a:xfrm>
+            <a:off x="866773" y="2492568"/>
+            <a:ext cx="5419725" cy="695325"/>
+          </a:xfrm>
+          <a:prstGeom prst="rect">
+            <a:avLst/>
+          </a:prstGeom>
+          <a:solidFill>
+            <a:schemeClr val="bg1"/>
+          </a:solidFill>
+          <a:ln w="9525"/>
+        </p:spPr>
+        <p:style>
+          <a:lnRef idx="2">
+            <a:schemeClr val="accent1">
+              <a:shade val="50000"/>
+            </a:schemeClr>
+          </a:lnRef>
+          <a:fillRef idx="1">
+            <a:schemeClr val="accent1"/>
+          </a:fillRef>
+          <a:effectRef idx="0">
+            <a:schemeClr val="accent1"/>
+          </a:effectRef>
+          <a:fontRef idx="minor">
+            <a:schemeClr val="lt1"/>
+          </a:fontRef>
+        </p:style>
+        <p:txBody>
+          <a:bodyPr rtlCol="0" anchor="ctr"/>
+          <a:lstStyle/>
+          <a:p>
+            <a:r>
+              <a:rPr lang="ko-KR" altLang="en-US">
+                <a:solidFill>
+                  <a:schemeClr val="tx1"/>
+                </a:solidFill>
+              </a:rPr>
+              <a:t> </a:t>
+            </a:r>
+            <a:r>
+              <a:rPr lang="ko-KR" altLang="en-US">
+                <a:solidFill>
+                  <a:schemeClr val="accent3"/>
+                </a:solidFill>
+              </a:rPr>
+              <a:t>아이디</a:t>
+            </a:r>
+          </a:p>
+        </p:txBody>
+      </p:sp>
+      <p:sp>
+        <p:nvSpPr>
+          <p:cNvPr id="37" name="직사각형 36">
+            <a:extLst>
+              <a:ext uri="{FF2B5EF4-FFF2-40B4-BE49-F238E27FC236}">
+                <a16:creationId xmlns:a16="http://schemas.microsoft.com/office/drawing/2014/main" id="{C2C2C425-79F5-4078-ACA7-918E240D39ED}"/>
+              </a:ext>
+            </a:extLst>
+          </p:cNvPr>
+          <p:cNvSpPr/>
+          <p:nvPr/>
+        </p:nvSpPr>
+        <p:spPr>
+          <a:xfrm>
+            <a:off x="866774" y="3481754"/>
+            <a:ext cx="5419725" cy="695325"/>
+          </a:xfrm>
+          <a:prstGeom prst="rect">
+            <a:avLst/>
+          </a:prstGeom>
+          <a:solidFill>
+            <a:schemeClr val="bg1"/>
+          </a:solidFill>
+          <a:ln w="9525"/>
+        </p:spPr>
+        <p:style>
+          <a:lnRef idx="2">
+            <a:schemeClr val="accent1">
+              <a:shade val="50000"/>
+            </a:schemeClr>
+          </a:lnRef>
+          <a:fillRef idx="1">
+            <a:schemeClr val="accent1"/>
+          </a:fillRef>
+          <a:effectRef idx="0">
+            <a:schemeClr val="accent1"/>
+          </a:effectRef>
+          <a:fontRef idx="minor">
+            <a:schemeClr val="lt1"/>
+          </a:fontRef>
+        </p:style>
+        <p:txBody>
+          <a:bodyPr rtlCol="0" anchor="ctr"/>
+          <a:lstStyle/>
+          <a:p>
+            <a:r>
+              <a:rPr lang="ko-KR" altLang="en-US">
+                <a:solidFill>
+                  <a:schemeClr val="tx1"/>
+                </a:solidFill>
+              </a:rPr>
+              <a:t> </a:t>
+            </a:r>
+            <a:r>
+              <a:rPr lang="ko-KR" altLang="en-US">
+                <a:solidFill>
+                  <a:schemeClr val="accent3"/>
+                </a:solidFill>
+              </a:rPr>
+              <a:t>비밀번호</a:t>
+            </a:r>
+          </a:p>
+        </p:txBody>
+      </p:sp>
+      <p:sp>
+        <p:nvSpPr>
+          <p:cNvPr id="38" name="직사각형 37">
+            <a:extLst>
+              <a:ext uri="{FF2B5EF4-FFF2-40B4-BE49-F238E27FC236}">
+                <a16:creationId xmlns:a16="http://schemas.microsoft.com/office/drawing/2014/main" id="{037A99B9-16EE-4D57-9137-2D0BA80782BA}"/>
+              </a:ext>
+            </a:extLst>
+          </p:cNvPr>
+          <p:cNvSpPr/>
+          <p:nvPr/>
+        </p:nvSpPr>
+        <p:spPr>
+          <a:xfrm>
+            <a:off x="866773" y="4469580"/>
+            <a:ext cx="5419725" cy="695325"/>
+          </a:xfrm>
+          <a:prstGeom prst="rect">
+            <a:avLst/>
+          </a:prstGeom>
+          <a:solidFill>
+            <a:srgbClr val="9966FF"/>
+          </a:solidFill>
+          <a:ln w="9525"/>
+        </p:spPr>
+        <p:style>
+          <a:lnRef idx="2">
+            <a:schemeClr val="accent1">
+              <a:shade val="50000"/>
+            </a:schemeClr>
+          </a:lnRef>
+          <a:fillRef idx="1">
+            <a:schemeClr val="accent1"/>
+          </a:fillRef>
+          <a:effectRef idx="0">
+            <a:schemeClr val="accent1"/>
+          </a:effectRef>
+          <a:fontRef idx="minor">
+            <a:schemeClr val="lt1"/>
+          </a:fontRef>
+        </p:style>
+        <p:txBody>
+          <a:bodyPr rtlCol="0" anchor="ctr"/>
+          <a:lstStyle/>
+          <a:p>
+            <a:pPr algn="ctr"/>
+            <a:r>
+              <a:rPr lang="ko-KR" altLang="en-US">
+                <a:solidFill>
+                  <a:schemeClr val="bg1"/>
+                </a:solidFill>
+              </a:rPr>
+              <a:t>로그인</a:t>
+            </a:r>
+          </a:p>
+        </p:txBody>
+      </p:sp>
+      <p:sp>
+        <p:nvSpPr>
+          <p:cNvPr id="39" name="TextBox 38">
+            <a:extLst>
+              <a:ext uri="{FF2B5EF4-FFF2-40B4-BE49-F238E27FC236}">
+                <a16:creationId xmlns:a16="http://schemas.microsoft.com/office/drawing/2014/main" id="{DD8E1543-F9DF-48B8-AB97-1BEF169AE18B}"/>
+              </a:ext>
+            </a:extLst>
+          </p:cNvPr>
+          <p:cNvSpPr txBox="1"/>
+          <p:nvPr/>
+        </p:nvSpPr>
+        <p:spPr>
+          <a:xfrm>
+            <a:off x="866773" y="5338787"/>
+            <a:ext cx="5419725" cy="369332"/>
+          </a:xfrm>
+          <a:prstGeom prst="rect">
+            <a:avLst/>
+          </a:prstGeom>
+          <a:noFill/>
+          <a:ln>
+            <a:noFill/>
+          </a:ln>
+        </p:spPr>
+        <p:txBody>
+          <a:bodyPr wrap="square" rtlCol="0">
+            <a:spAutoFit/>
+          </a:bodyPr>
+          <a:lstStyle/>
+          <a:p>
+            <a:r>
+              <a:rPr lang="ko-KR" altLang="en-US"/>
+              <a:t>아직 우리 사이트의 회원이 아니신가요</a:t>
+            </a:r>
+            <a:r>
+              <a:rPr lang="en-US" altLang="ko-KR"/>
+              <a:t>? </a:t>
+            </a:r>
+            <a:r>
+              <a:rPr lang="ko-KR" altLang="en-US" u="sng"/>
+              <a:t>회원가입</a:t>
+            </a:r>
+            <a:endParaRPr lang="en-US" altLang="ko-KR" u="sng"/>
+          </a:p>
+        </p:txBody>
+      </p:sp>
+      <p:sp>
+        <p:nvSpPr>
+          <p:cNvPr id="40" name="TextBox 39">
+            <a:extLst>
+              <a:ext uri="{FF2B5EF4-FFF2-40B4-BE49-F238E27FC236}">
+                <a16:creationId xmlns:a16="http://schemas.microsoft.com/office/drawing/2014/main" id="{DE962B40-E0B1-41C4-BA74-AEC7A2A7F0A3}"/>
+              </a:ext>
+            </a:extLst>
+          </p:cNvPr>
+          <p:cNvSpPr txBox="1"/>
+          <p:nvPr/>
+        </p:nvSpPr>
+        <p:spPr>
+          <a:xfrm>
+            <a:off x="7441718" y="157008"/>
+            <a:ext cx="4429387" cy="1938992"/>
+          </a:xfrm>
+          <a:prstGeom prst="rect">
+            <a:avLst/>
+          </a:prstGeom>
+          <a:noFill/>
+        </p:spPr>
+        <p:txBody>
+          <a:bodyPr wrap="square" rtlCol="0">
+            <a:spAutoFit/>
+          </a:bodyPr>
+          <a:lstStyle/>
+          <a:p>
+            <a:pPr marL="342900" indent="-342900">
+              <a:buAutoNum type="arabicPeriod"/>
+            </a:pPr>
+            <a:r>
+              <a:rPr lang="ko-KR" altLang="en-US" sz="2000"/>
+              <a:t>로그인 기능</a:t>
+            </a:r>
+            <a:endParaRPr lang="en-US" altLang="ko-KR" sz="2000"/>
+          </a:p>
+          <a:p>
+            <a:r>
+              <a:rPr lang="en-US" altLang="ko-KR" sz="2000"/>
+              <a:t> - </a:t>
+            </a:r>
+            <a:r>
+              <a:rPr lang="ko-KR" altLang="en-US" sz="2000"/>
+              <a:t>아이디와 비밀번호를 통해 인증</a:t>
+            </a:r>
+            <a:r>
+              <a:rPr lang="en-US" altLang="ko-KR" sz="2000"/>
+              <a:t>.</a:t>
+            </a:r>
+          </a:p>
+          <a:p>
+            <a:endParaRPr lang="en-US" altLang="ko-KR" sz="2000"/>
+          </a:p>
+          <a:p>
+            <a:r>
+              <a:rPr lang="en-US" altLang="ko-KR" sz="2000"/>
+              <a:t>2. </a:t>
+            </a:r>
+            <a:r>
+              <a:rPr lang="ko-KR" altLang="en-US" sz="2000"/>
+              <a:t>회원가입</a:t>
+            </a:r>
+            <a:r>
+              <a:rPr lang="en-US" altLang="ko-KR" sz="2000"/>
+              <a:t> </a:t>
+            </a:r>
+            <a:r>
+              <a:rPr lang="ko-KR" altLang="en-US" sz="2000"/>
+              <a:t>기능</a:t>
+            </a:r>
+            <a:endParaRPr lang="en-US" altLang="ko-KR" sz="2000"/>
+          </a:p>
+          <a:p>
+            <a:r>
+              <a:rPr lang="en-US" altLang="ko-KR" sz="2000"/>
+              <a:t> - </a:t>
+            </a:r>
+            <a:r>
+              <a:rPr lang="ko-KR" altLang="en-US" sz="2000"/>
+              <a:t>회원가입을 원하는 경우 하단의 회원가입 링크를 클릭한다</a:t>
+            </a:r>
+            <a:r>
+              <a:rPr lang="en-US" altLang="ko-KR" sz="2000"/>
+              <a:t>.</a:t>
+            </a:r>
+          </a:p>
+        </p:txBody>
+      </p:sp>
+    </p:spTree>
+    <p:extLst>
+      <p:ext uri="{BB962C8B-B14F-4D97-AF65-F5344CB8AC3E}">
+        <p14:creationId xmlns:p14="http://schemas.microsoft.com/office/powerpoint/2010/main" val="4288356714"/>
+      </p:ext>
+    </p:extLst>
+  </p:cSld>
+  <p:clrMapOvr>
+    <a:masterClrMapping/>
+  </p:clrMapOvr>
+</p:sld>
+</file>
+
+<file path=ppt/slides/slide6.xml><?xml version="1.0" encoding="utf-8"?>
+<p:sld xmlns:a="http://schemas.openxmlformats.org/drawingml/2006/main" xmlns:r="http://schemas.openxmlformats.org/officeDocument/2006/relationships" xmlns:p="http://schemas.openxmlformats.org/presentationml/2006/main">
+  <p:cSld>
+    <p:spTree>
+      <p:nvGrpSpPr>
+        <p:cNvPr id="1" name=""/>
+        <p:cNvGrpSpPr/>
+        <p:nvPr/>
+      </p:nvGrpSpPr>
+      <p:grpSpPr>
+        <a:xfrm>
+          <a:off x="0" y="0"/>
+          <a:ext cx="0" cy="0"/>
+          <a:chOff x="0" y="0"/>
+          <a:chExt cx="0" cy="0"/>
+        </a:xfrm>
+      </p:grpSpPr>
+      <p:sp>
+        <p:nvSpPr>
+          <p:cNvPr id="5" name="직사각형 4">
+            <a:extLst>
+              <a:ext uri="{FF2B5EF4-FFF2-40B4-BE49-F238E27FC236}">
+                <a16:creationId xmlns:a16="http://schemas.microsoft.com/office/drawing/2014/main" id="{D6C6D357-0518-4C50-9FB1-4825CBE7D9B7}"/>
+              </a:ext>
+            </a:extLst>
+          </p:cNvPr>
+          <p:cNvSpPr/>
+          <p:nvPr/>
+        </p:nvSpPr>
+        <p:spPr>
+          <a:xfrm>
+            <a:off x="138410" y="157008"/>
+            <a:ext cx="7024382" cy="6363741"/>
+          </a:xfrm>
+          <a:prstGeom prst="rect">
+            <a:avLst/>
+          </a:prstGeom>
+          <a:solidFill>
+            <a:schemeClr val="bg1"/>
+          </a:solidFill>
+        </p:spPr>
+        <p:style>
+          <a:lnRef idx="2">
+            <a:schemeClr val="accent1">
+              <a:shade val="50000"/>
+            </a:schemeClr>
+          </a:lnRef>
+          <a:fillRef idx="1">
+            <a:schemeClr val="accent1"/>
+          </a:fillRef>
+          <a:effectRef idx="0">
+            <a:schemeClr val="accent1"/>
+          </a:effectRef>
+          <a:fontRef idx="minor">
+            <a:schemeClr val="lt1"/>
+          </a:fontRef>
+        </p:style>
+        <p:txBody>
+          <a:bodyPr rtlCol="0" anchor="ctr"/>
+          <a:lstStyle/>
+          <a:p>
+            <a:pPr algn="ctr"/>
+            <a:endParaRPr lang="ko-KR" altLang="en-US"/>
+          </a:p>
+        </p:txBody>
+      </p:sp>
+      <p:sp>
+        <p:nvSpPr>
+          <p:cNvPr id="36" name="TextBox 35">
+            <a:extLst>
+              <a:ext uri="{FF2B5EF4-FFF2-40B4-BE49-F238E27FC236}">
+                <a16:creationId xmlns:a16="http://schemas.microsoft.com/office/drawing/2014/main" id="{95BED7A1-74D2-4EC9-9B25-887C80297073}"/>
+              </a:ext>
+            </a:extLst>
+          </p:cNvPr>
+          <p:cNvSpPr txBox="1"/>
+          <p:nvPr/>
+        </p:nvSpPr>
+        <p:spPr>
+          <a:xfrm>
+            <a:off x="138410" y="-504825"/>
+            <a:ext cx="1833004" cy="369332"/>
+          </a:xfrm>
+          <a:prstGeom prst="rect">
+            <a:avLst/>
+          </a:prstGeom>
+          <a:noFill/>
+        </p:spPr>
+        <p:txBody>
+          <a:bodyPr wrap="square" rtlCol="0">
+            <a:spAutoFit/>
+          </a:bodyPr>
+          <a:lstStyle/>
+          <a:p>
+            <a:r>
+              <a:rPr lang="ko-KR" altLang="en-US"/>
+              <a:t>회원가입</a:t>
+            </a:r>
+          </a:p>
+        </p:txBody>
+      </p:sp>
+      <p:sp>
+        <p:nvSpPr>
+          <p:cNvPr id="27" name="TextBox 26">
+            <a:extLst>
+              <a:ext uri="{FF2B5EF4-FFF2-40B4-BE49-F238E27FC236}">
+                <a16:creationId xmlns:a16="http://schemas.microsoft.com/office/drawing/2014/main" id="{503B7607-7F31-4C85-878F-450D737E343E}"/>
+              </a:ext>
+            </a:extLst>
+          </p:cNvPr>
+          <p:cNvSpPr txBox="1"/>
+          <p:nvPr/>
+        </p:nvSpPr>
+        <p:spPr>
+          <a:xfrm>
+            <a:off x="1448409" y="451566"/>
+            <a:ext cx="4647591" cy="584775"/>
+          </a:xfrm>
+          <a:prstGeom prst="rect">
+            <a:avLst/>
+          </a:prstGeom>
+          <a:noFill/>
+          <a:ln>
+            <a:noFill/>
+          </a:ln>
+        </p:spPr>
+        <p:txBody>
+          <a:bodyPr wrap="square" rtlCol="0">
+            <a:spAutoFit/>
+          </a:bodyPr>
+          <a:lstStyle/>
+          <a:p>
+            <a:r>
+              <a:rPr lang="ko-KR" altLang="en-US" sz="3200"/>
+              <a:t>아시아 여행 커뮤니티</a:t>
+            </a:r>
+            <a:endParaRPr lang="en-US" altLang="ko-KR" sz="3200"/>
+          </a:p>
+        </p:txBody>
+      </p:sp>
+      <p:sp>
+        <p:nvSpPr>
+          <p:cNvPr id="3" name="직사각형 2">
+            <a:extLst>
+              <a:ext uri="{FF2B5EF4-FFF2-40B4-BE49-F238E27FC236}">
+                <a16:creationId xmlns:a16="http://schemas.microsoft.com/office/drawing/2014/main" id="{FA99AEB7-7B21-4092-B464-EB57ABDD056E}"/>
+              </a:ext>
+            </a:extLst>
+          </p:cNvPr>
+          <p:cNvSpPr/>
+          <p:nvPr/>
+        </p:nvSpPr>
+        <p:spPr>
+          <a:xfrm>
+            <a:off x="866773" y="1345432"/>
+            <a:ext cx="5419725" cy="695325"/>
+          </a:xfrm>
+          <a:prstGeom prst="rect">
+            <a:avLst/>
+          </a:prstGeom>
+          <a:solidFill>
+            <a:schemeClr val="bg1"/>
+          </a:solidFill>
+          <a:ln w="9525"/>
+        </p:spPr>
+        <p:style>
+          <a:lnRef idx="2">
+            <a:schemeClr val="accent1">
+              <a:shade val="50000"/>
+            </a:schemeClr>
+          </a:lnRef>
+          <a:fillRef idx="1">
+            <a:schemeClr val="accent1"/>
+          </a:fillRef>
+          <a:effectRef idx="0">
+            <a:schemeClr val="accent1"/>
+          </a:effectRef>
+          <a:fontRef idx="minor">
+            <a:schemeClr val="lt1"/>
+          </a:fontRef>
+        </p:style>
+        <p:txBody>
+          <a:bodyPr rtlCol="0" anchor="ctr"/>
+          <a:lstStyle/>
+          <a:p>
+            <a:r>
+              <a:rPr lang="ko-KR" altLang="en-US">
+                <a:solidFill>
+                  <a:schemeClr val="tx1"/>
+                </a:solidFill>
+              </a:rPr>
+              <a:t> </a:t>
+            </a:r>
+            <a:r>
+              <a:rPr lang="ko-KR" altLang="en-US">
+                <a:solidFill>
+                  <a:schemeClr val="accent3"/>
+                </a:solidFill>
+              </a:rPr>
+              <a:t>아이디</a:t>
+            </a:r>
+          </a:p>
+        </p:txBody>
+      </p:sp>
+      <p:sp>
+        <p:nvSpPr>
+          <p:cNvPr id="37" name="직사각형 36">
+            <a:extLst>
+              <a:ext uri="{FF2B5EF4-FFF2-40B4-BE49-F238E27FC236}">
+                <a16:creationId xmlns:a16="http://schemas.microsoft.com/office/drawing/2014/main" id="{C2C2C425-79F5-4078-ACA7-918E240D39ED}"/>
+              </a:ext>
+            </a:extLst>
+          </p:cNvPr>
+          <p:cNvSpPr/>
+          <p:nvPr/>
+        </p:nvSpPr>
+        <p:spPr>
+          <a:xfrm>
+            <a:off x="866773" y="2293330"/>
+            <a:ext cx="5419725" cy="695325"/>
+          </a:xfrm>
+          <a:prstGeom prst="rect">
+            <a:avLst/>
+          </a:prstGeom>
+          <a:solidFill>
+            <a:schemeClr val="bg1"/>
+          </a:solidFill>
+          <a:ln w="9525"/>
+        </p:spPr>
+        <p:style>
+          <a:lnRef idx="2">
+            <a:schemeClr val="accent1">
+              <a:shade val="50000"/>
+            </a:schemeClr>
+          </a:lnRef>
+          <a:fillRef idx="1">
+            <a:schemeClr val="accent1"/>
+          </a:fillRef>
+          <a:effectRef idx="0">
+            <a:schemeClr val="accent1"/>
+          </a:effectRef>
+          <a:fontRef idx="minor">
+            <a:schemeClr val="lt1"/>
+          </a:fontRef>
+        </p:style>
+        <p:txBody>
+          <a:bodyPr rtlCol="0" anchor="ctr"/>
+          <a:lstStyle/>
+          <a:p>
+            <a:r>
+              <a:rPr lang="ko-KR" altLang="en-US">
+                <a:solidFill>
+                  <a:schemeClr val="tx1"/>
+                </a:solidFill>
+              </a:rPr>
+              <a:t> </a:t>
+            </a:r>
+            <a:r>
+              <a:rPr lang="ko-KR" altLang="en-US">
+                <a:solidFill>
+                  <a:schemeClr val="accent3"/>
+                </a:solidFill>
+              </a:rPr>
+              <a:t>비밀번호</a:t>
+            </a:r>
+          </a:p>
+        </p:txBody>
+      </p:sp>
+      <p:sp>
+        <p:nvSpPr>
+          <p:cNvPr id="38" name="직사각형 37">
+            <a:extLst>
+              <a:ext uri="{FF2B5EF4-FFF2-40B4-BE49-F238E27FC236}">
+                <a16:creationId xmlns:a16="http://schemas.microsoft.com/office/drawing/2014/main" id="{037A99B9-16EE-4D57-9137-2D0BA80782BA}"/>
+              </a:ext>
+            </a:extLst>
+          </p:cNvPr>
+          <p:cNvSpPr/>
+          <p:nvPr/>
+        </p:nvSpPr>
+        <p:spPr>
+          <a:xfrm>
+            <a:off x="866773" y="5393505"/>
+            <a:ext cx="5419725" cy="695325"/>
+          </a:xfrm>
+          <a:prstGeom prst="rect">
+            <a:avLst/>
+          </a:prstGeom>
+          <a:solidFill>
+            <a:srgbClr val="9966FF"/>
+          </a:solidFill>
+          <a:ln w="9525"/>
+        </p:spPr>
+        <p:style>
+          <a:lnRef idx="2">
+            <a:schemeClr val="accent1">
+              <a:shade val="50000"/>
+            </a:schemeClr>
+          </a:lnRef>
+          <a:fillRef idx="1">
+            <a:schemeClr val="accent1"/>
+          </a:fillRef>
+          <a:effectRef idx="0">
+            <a:schemeClr val="accent1"/>
+          </a:effectRef>
+          <a:fontRef idx="minor">
+            <a:schemeClr val="lt1"/>
+          </a:fontRef>
+        </p:style>
+        <p:txBody>
+          <a:bodyPr rtlCol="0" anchor="ctr"/>
+          <a:lstStyle/>
+          <a:p>
+            <a:pPr algn="ctr"/>
+            <a:r>
+              <a:rPr lang="ko-KR" altLang="en-US">
+                <a:solidFill>
+                  <a:schemeClr val="bg1"/>
+                </a:solidFill>
+              </a:rPr>
+              <a:t>회원가입</a:t>
+            </a:r>
+          </a:p>
+        </p:txBody>
+      </p:sp>
+      <p:sp>
+        <p:nvSpPr>
+          <p:cNvPr id="40" name="TextBox 39">
+            <a:extLst>
+              <a:ext uri="{FF2B5EF4-FFF2-40B4-BE49-F238E27FC236}">
+                <a16:creationId xmlns:a16="http://schemas.microsoft.com/office/drawing/2014/main" id="{DE962B40-E0B1-41C4-BA74-AEC7A2A7F0A3}"/>
+              </a:ext>
+            </a:extLst>
+          </p:cNvPr>
+          <p:cNvSpPr txBox="1"/>
+          <p:nvPr/>
+        </p:nvSpPr>
+        <p:spPr>
+          <a:xfrm>
+            <a:off x="7441718" y="157008"/>
+            <a:ext cx="4429387" cy="1938992"/>
+          </a:xfrm>
+          <a:prstGeom prst="rect">
+            <a:avLst/>
+          </a:prstGeom>
+          <a:noFill/>
+        </p:spPr>
+        <p:txBody>
+          <a:bodyPr wrap="square" rtlCol="0">
+            <a:spAutoFit/>
+          </a:bodyPr>
+          <a:lstStyle/>
+          <a:p>
+            <a:pPr marL="342900" indent="-342900">
+              <a:buAutoNum type="arabicPeriod"/>
+            </a:pPr>
+            <a:r>
+              <a:rPr lang="ko-KR" altLang="en-US" sz="2000"/>
+              <a:t>로그인 기능</a:t>
+            </a:r>
+            <a:endParaRPr lang="en-US" altLang="ko-KR" sz="2000"/>
+          </a:p>
+          <a:p>
+            <a:r>
+              <a:rPr lang="en-US" altLang="ko-KR" sz="2000"/>
+              <a:t> - </a:t>
+            </a:r>
+            <a:r>
+              <a:rPr lang="ko-KR" altLang="en-US" sz="2000"/>
+              <a:t>아이디와 비밀번호를 통해 인증</a:t>
+            </a:r>
+            <a:r>
+              <a:rPr lang="en-US" altLang="ko-KR" sz="2000"/>
+              <a:t>.</a:t>
+            </a:r>
+          </a:p>
+          <a:p>
+            <a:endParaRPr lang="en-US" altLang="ko-KR" sz="2000"/>
+          </a:p>
+          <a:p>
+            <a:r>
+              <a:rPr lang="en-US" altLang="ko-KR" sz="2000"/>
+              <a:t>2. </a:t>
+            </a:r>
+            <a:r>
+              <a:rPr lang="ko-KR" altLang="en-US" sz="2000"/>
+              <a:t>회원가입</a:t>
+            </a:r>
+            <a:r>
+              <a:rPr lang="en-US" altLang="ko-KR" sz="2000"/>
+              <a:t> </a:t>
+            </a:r>
+            <a:r>
+              <a:rPr lang="ko-KR" altLang="en-US" sz="2000"/>
+              <a:t>기능</a:t>
+            </a:r>
+            <a:endParaRPr lang="en-US" altLang="ko-KR" sz="2000"/>
+          </a:p>
+          <a:p>
+            <a:r>
+              <a:rPr lang="en-US" altLang="ko-KR" sz="2000"/>
+              <a:t> - </a:t>
+            </a:r>
+            <a:r>
+              <a:rPr lang="ko-KR" altLang="en-US" sz="2000"/>
+              <a:t>회원가입을 원하는 경우 하단의 회원가입 링크를 클릭한다</a:t>
+            </a:r>
+            <a:r>
+              <a:rPr lang="en-US" altLang="ko-KR" sz="2000"/>
+              <a:t>.</a:t>
+            </a:r>
+          </a:p>
+        </p:txBody>
+      </p:sp>
+      <p:sp>
+        <p:nvSpPr>
+          <p:cNvPr id="10" name="직사각형 9">
+            <a:extLst>
+              <a:ext uri="{FF2B5EF4-FFF2-40B4-BE49-F238E27FC236}">
+                <a16:creationId xmlns:a16="http://schemas.microsoft.com/office/drawing/2014/main" id="{E1C1CA96-D664-4CCF-89F4-862AEEA85078}"/>
+              </a:ext>
+            </a:extLst>
+          </p:cNvPr>
+          <p:cNvSpPr/>
+          <p:nvPr/>
+        </p:nvSpPr>
+        <p:spPr>
+          <a:xfrm>
+            <a:off x="866772" y="3241228"/>
+            <a:ext cx="5419725" cy="695325"/>
+          </a:xfrm>
+          <a:prstGeom prst="rect">
+            <a:avLst/>
+          </a:prstGeom>
+          <a:solidFill>
+            <a:schemeClr val="bg1"/>
+          </a:solidFill>
+          <a:ln w="9525"/>
+        </p:spPr>
+        <p:style>
+          <a:lnRef idx="2">
+            <a:schemeClr val="accent1">
+              <a:shade val="50000"/>
+            </a:schemeClr>
+          </a:lnRef>
+          <a:fillRef idx="1">
+            <a:schemeClr val="accent1"/>
+          </a:fillRef>
+          <a:effectRef idx="0">
+            <a:schemeClr val="accent1"/>
+          </a:effectRef>
+          <a:fontRef idx="minor">
+            <a:schemeClr val="lt1"/>
+          </a:fontRef>
+        </p:style>
+        <p:txBody>
+          <a:bodyPr rtlCol="0" anchor="ctr"/>
+          <a:lstStyle/>
+          <a:p>
+            <a:r>
+              <a:rPr lang="ko-KR" altLang="en-US">
+                <a:solidFill>
+                  <a:schemeClr val="tx1"/>
+                </a:solidFill>
+              </a:rPr>
+              <a:t> </a:t>
+            </a:r>
+            <a:r>
+              <a:rPr lang="ko-KR" altLang="en-US">
+                <a:solidFill>
+                  <a:schemeClr val="accent3"/>
+                </a:solidFill>
+              </a:rPr>
+              <a:t>비밀번호 재입력</a:t>
+            </a:r>
+          </a:p>
+        </p:txBody>
+      </p:sp>
+    </p:spTree>
+    <p:extLst>
+      <p:ext uri="{BB962C8B-B14F-4D97-AF65-F5344CB8AC3E}">
+        <p14:creationId xmlns:p14="http://schemas.microsoft.com/office/powerpoint/2010/main" val="3170481697"/>
       </p:ext>
     </p:extLst>
   </p:cSld>
